--- a/癌症/New Microsoft PowerPoint Presentation.pptx
+++ b/癌症/New Microsoft PowerPoint Presentation.pptx
@@ -15,6 +15,9 @@
     <p:sldId id="264" r:id="rId9"/>
     <p:sldId id="263" r:id="rId10"/>
     <p:sldId id="265" r:id="rId11"/>
+    <p:sldId id="266" r:id="rId12"/>
+    <p:sldId id="267" r:id="rId13"/>
+    <p:sldId id="268" r:id="rId14"/>
   </p:sldIdLst>
   <p:sldSz cx="12192000" cy="6858000"/>
   <p:notesSz cx="6858000" cy="9144000"/>
@@ -113,6 +116,11 @@
       </a:defRPr>
     </a:lvl9pPr>
   </p:defaultTextStyle>
+  <p:extLst>
+    <p:ext uri="{EFAFB233-063F-42B5-8137-9DF3F51BA10A}">
+      <p15:sldGuideLst xmlns:p15="http://schemas.microsoft.com/office/powerpoint/2012/main"/>
+    </p:ext>
+  </p:extLst>
 </p:presentation>
 </file>
 
@@ -3516,7 +3524,7 @@
         <p:spPr>
           <a:xfrm>
             <a:off x="2685068" y="2782669"/>
-            <a:ext cx="7982932" cy="646331"/>
+            <a:ext cx="7982932" cy="1754326"/>
           </a:xfrm>
           <a:prstGeom prst="rect">
             <a:avLst/>
@@ -3535,13 +3543,79 @@
             <a:endParaRPr lang="en-US" altLang="zh-CN" dirty="0"/>
           </a:p>
           <a:p>
+            <a:pPr marL="342900" indent="-342900">
+              <a:buAutoNum type="arabicPeriod"/>
+            </a:pPr>
+            <a:r>
+              <a:rPr lang="zh-CN" altLang="en-US" dirty="0"/>
+              <a:t>疯狂的分裂繁殖，通过化学物质破坏</a:t>
+            </a:r>
             <a:r>
               <a:rPr lang="en-US" altLang="zh-CN" dirty="0"/>
-              <a:t>1. </a:t>
-            </a:r>
-            <a:r>
-              <a:rPr lang="zh-CN" altLang="en-US" dirty="0"/>
-              <a:t>疯狂的分裂繁殖</a:t>
+              <a:t>DNA</a:t>
+            </a:r>
+            <a:r>
+              <a:rPr lang="zh-CN" altLang="en-US" dirty="0"/>
+              <a:t>复制和细胞分裂 </a:t>
+            </a:r>
+            <a:r>
+              <a:rPr lang="en-US" altLang="zh-CN" dirty="0"/>
+              <a:t>—— </a:t>
+            </a:r>
+            <a:r>
+              <a:rPr lang="zh-CN" altLang="en-US" dirty="0"/>
+              <a:t>化疗</a:t>
+            </a:r>
+            <a:endParaRPr lang="en-US" altLang="zh-CN" dirty="0"/>
+          </a:p>
+          <a:p>
+            <a:pPr marL="342900" indent="-342900">
+              <a:buAutoNum type="arabicPeriod"/>
+            </a:pPr>
+            <a:r>
+              <a:rPr lang="zh-CN" altLang="en-US" dirty="0"/>
+              <a:t>除了疯狂繁殖，还有什么区别 </a:t>
+            </a:r>
+            <a:r>
+              <a:rPr lang="en-US" altLang="zh-CN" dirty="0"/>
+              <a:t>—— </a:t>
+            </a:r>
+            <a:r>
+              <a:rPr lang="zh-CN" altLang="en-US" dirty="0"/>
+              <a:t>精准的靶向药物</a:t>
+            </a:r>
+            <a:endParaRPr lang="en-US" altLang="zh-CN" dirty="0"/>
+          </a:p>
+          <a:p>
+            <a:r>
+              <a:rPr lang="en-US" altLang="zh-CN" dirty="0"/>
+              <a:t>       </a:t>
+            </a:r>
+            <a:r>
+              <a:rPr lang="zh-CN" altLang="en-US" dirty="0"/>
+              <a:t>格列卫</a:t>
+            </a:r>
+            <a:endParaRPr lang="en-US" altLang="zh-CN" dirty="0"/>
+          </a:p>
+          <a:p>
+            <a:r>
+              <a:rPr lang="en-US" altLang="zh-CN" dirty="0"/>
+              <a:t>3.   </a:t>
+            </a:r>
+            <a:r>
+              <a:rPr lang="zh-CN" altLang="en-US" dirty="0"/>
+              <a:t>对癌症的持续“追杀”</a:t>
+            </a:r>
+            <a:endParaRPr lang="en-US" altLang="zh-CN" dirty="0"/>
+          </a:p>
+          <a:p>
+            <a:r>
+              <a:rPr lang="en-US" dirty="0"/>
+              <a:t>     </a:t>
+            </a:r>
+            <a:r>
+              <a:rPr lang="zh-CN" altLang="en-US" dirty="0"/>
+              <a:t>研究耐药癌细胞，开发新的靶向药物</a:t>
             </a:r>
             <a:endParaRPr lang="en-US" dirty="0"/>
           </a:p>
@@ -3551,6 +3625,616 @@
     <p:extLst>
       <p:ext uri="{BB962C8B-B14F-4D97-AF65-F5344CB8AC3E}">
         <p14:creationId xmlns:p14="http://schemas.microsoft.com/office/powerpoint/2010/main" val="617560827"/>
+      </p:ext>
+    </p:extLst>
+  </p:cSld>
+  <p:clrMapOvr>
+    <a:masterClrMapping/>
+  </p:clrMapOvr>
+</p:sld>
+</file>
+
+<file path=ppt/slides/slide11.xml><?xml version="1.0" encoding="utf-8"?>
+<p:sld xmlns:a="http://schemas.openxmlformats.org/drawingml/2006/main" xmlns:r="http://schemas.openxmlformats.org/officeDocument/2006/relationships" xmlns:p="http://schemas.openxmlformats.org/presentationml/2006/main">
+  <p:cSld>
+    <p:spTree>
+      <p:nvGrpSpPr>
+        <p:cNvPr id="1" name=""/>
+        <p:cNvGrpSpPr/>
+        <p:nvPr/>
+      </p:nvGrpSpPr>
+      <p:grpSpPr>
+        <a:xfrm>
+          <a:off x="0" y="0"/>
+          <a:ext cx="0" cy="0"/>
+          <a:chOff x="0" y="0"/>
+          <a:chExt cx="0" cy="0"/>
+        </a:xfrm>
+      </p:grpSpPr>
+      <p:sp>
+        <p:nvSpPr>
+          <p:cNvPr id="7" name="矩形 6">
+            <a:extLst>
+              <a:ext uri="{FF2B5EF4-FFF2-40B4-BE49-F238E27FC236}">
+                <a16:creationId xmlns:a16="http://schemas.microsoft.com/office/drawing/2014/main" id="{1AB92D1D-0B97-427B-95FB-704AB13F9066}"/>
+              </a:ext>
+            </a:extLst>
+          </p:cNvPr>
+          <p:cNvSpPr/>
+          <p:nvPr/>
+        </p:nvSpPr>
+        <p:spPr>
+          <a:xfrm>
+            <a:off x="0" y="58846"/>
+            <a:ext cx="12192000" cy="6740307"/>
+          </a:xfrm>
+          <a:prstGeom prst="rect">
+            <a:avLst/>
+          </a:prstGeom>
+        </p:spPr>
+        <p:txBody>
+          <a:bodyPr wrap="square">
+            <a:spAutoFit/>
+          </a:bodyPr>
+          <a:lstStyle/>
+          <a:p>
+            <a:r>
+              <a:rPr lang="en-US" dirty="0"/>
+              <a:t>在1960年代，在美国费城工作的美国科学家诺威尔发现，在白血病人体内，或者更准确地说，是一类叫做慢性粒细胞白血病的患者体内，他们的癌细胞，出现了一个和其他正常身体细胞完全不同的特征。</a:t>
+            </a:r>
+          </a:p>
+          <a:p>
+            <a:r>
+              <a:rPr lang="en-US" dirty="0"/>
+              <a:t>这些细胞里的遗传物质DNA发生了一次显微镜下清晰可见的结构重组，人体第22号染色体上的一段，被错误地嫁接到了第9号染色体的尾巴上。</a:t>
+            </a:r>
+          </a:p>
+          <a:p>
+            <a:r>
+              <a:rPr lang="en-US" dirty="0" err="1"/>
+              <a:t>这个结构重组后来就被叫做费城染色体。在文稿里你可以看到费城染色体的示意图</a:t>
+            </a:r>
+            <a:r>
+              <a:rPr lang="en-US" dirty="0"/>
+              <a:t>。</a:t>
+            </a:r>
+          </a:p>
+          <a:p>
+            <a:r>
+              <a:rPr lang="en-US" dirty="0" err="1"/>
+              <a:t>根据我们刚才的讨论，这个DNA的结构重组既然只有癌细胞才有，正常细胞完全没有，那它就代表了这一类癌细胞一个非常精确的特征</a:t>
+            </a:r>
+            <a:r>
+              <a:rPr lang="en-US" dirty="0"/>
+              <a:t>。</a:t>
+            </a:r>
+          </a:p>
+          <a:p>
+            <a:r>
+              <a:rPr lang="en-US" dirty="0"/>
+              <a:t>之后人们更是发现，这一次DNA结构重组是把人体细胞当中原来两个风马牛不相及的基因拼接融合到了一起，结果在细胞内产生了一个名叫BCR-AbL的全新杂种蛋白。这个全新的蛋白质引起了血液细胞疯狂地分裂繁殖，从而导致了白血病。</a:t>
+            </a:r>
+          </a:p>
+          <a:p>
+            <a:r>
+              <a:rPr lang="en-US" dirty="0" err="1"/>
+              <a:t>换句话说，BCR-AbL这个蛋白，不光是这一类癌细胞的精确特征，还是这类癌症直接的发病原因</a:t>
+            </a:r>
+            <a:r>
+              <a:rPr lang="en-US" dirty="0"/>
+              <a:t>。</a:t>
+            </a:r>
+          </a:p>
+          <a:p>
+            <a:r>
+              <a:rPr lang="en-US" dirty="0" err="1"/>
+              <a:t>这个特征太精准了，如果能利用这个特质开发药物，我们就能得到梦寐以求的完美抗癌药</a:t>
+            </a:r>
+            <a:r>
+              <a:rPr lang="en-US" dirty="0"/>
+              <a:t>。</a:t>
+            </a:r>
+          </a:p>
+          <a:p>
+            <a:r>
+              <a:rPr lang="en-US" dirty="0"/>
+              <a:t>在差不多40年后，这个思路被真正实现了。</a:t>
+            </a:r>
+          </a:p>
+          <a:p>
+            <a:r>
+              <a:rPr lang="en-US" dirty="0"/>
+              <a:t>在20世纪90年代末，瑞士诺华公司的科学家们开发出了一种化学物质，能够专门和这个杂种蛋白结合，关闭它的功能，从而压制癌细胞的生长。</a:t>
+            </a:r>
+          </a:p>
+          <a:p>
+            <a:r>
+              <a:rPr lang="en-US" dirty="0"/>
+              <a:t>与此同时，几乎只针对BCR-Abl杂种蛋白开火的格列卫，对正常细胞的抑制作用非常之小，这就让这种药物的副作用要比传统化疗药物小得多。</a:t>
+            </a:r>
+          </a:p>
+          <a:p>
+            <a:r>
+              <a:rPr lang="en-US" dirty="0" err="1"/>
+              <a:t>这就是癌症历史上鼎鼎大名的药物格列卫（gleevec</a:t>
+            </a:r>
+            <a:r>
+              <a:rPr lang="en-US" dirty="0"/>
+              <a:t>）。</a:t>
+            </a:r>
+          </a:p>
+          <a:p>
+            <a:r>
+              <a:rPr lang="en-US" dirty="0"/>
+              <a:t>这个药物凭一己之力，就把慢性粒细胞白血病患者的五年生存率从30%提高到了90%，</a:t>
+            </a:r>
+            <a:r>
+              <a:rPr lang="en-US" dirty="0" err="1"/>
+              <a:t>在很大程度上让这些患者过上了正常人的生活</a:t>
+            </a:r>
+            <a:r>
+              <a:rPr lang="en-US" dirty="0"/>
+              <a:t>。</a:t>
+            </a:r>
+          </a:p>
+          <a:p>
+            <a:endParaRPr lang="en-US" dirty="0"/>
+          </a:p>
+          <a:p>
+            <a:r>
+              <a:rPr lang="en-US" dirty="0" err="1"/>
+              <a:t>而在概念上，格列卫的出现也宣告了癌症药物的开发真正从粗糙迈向精准</a:t>
+            </a:r>
+            <a:r>
+              <a:rPr lang="en-US" dirty="0"/>
+              <a:t>。</a:t>
+            </a:r>
+          </a:p>
+          <a:p>
+            <a:r>
+              <a:rPr lang="en-US" dirty="0" err="1"/>
+              <a:t>只要我们能在生物学层面，找到癌细胞和正常身体细胞之间存在的本质性的差别，我们就可以开发出精确地识别和杀死癌细胞的药物来</a:t>
+            </a:r>
+            <a:r>
+              <a:rPr lang="en-US" dirty="0"/>
+              <a:t>。</a:t>
+            </a:r>
+          </a:p>
+          <a:p>
+            <a:r>
+              <a:rPr lang="en-US" dirty="0" err="1"/>
+              <a:t>基于这样的思路开发出来的药物，也被很形象地称为“靶向药物</a:t>
+            </a:r>
+            <a:r>
+              <a:rPr lang="en-US" dirty="0"/>
+              <a:t>”。</a:t>
+            </a:r>
+          </a:p>
+        </p:txBody>
+      </p:sp>
+    </p:spTree>
+    <p:extLst>
+      <p:ext uri="{BB962C8B-B14F-4D97-AF65-F5344CB8AC3E}">
+        <p14:creationId xmlns:p14="http://schemas.microsoft.com/office/powerpoint/2010/main" val="2874416000"/>
+      </p:ext>
+    </p:extLst>
+  </p:cSld>
+  <p:clrMapOvr>
+    <a:masterClrMapping/>
+  </p:clrMapOvr>
+</p:sld>
+</file>
+
+<file path=ppt/slides/slide12.xml><?xml version="1.0" encoding="utf-8"?>
+<p:sld xmlns:a="http://schemas.openxmlformats.org/drawingml/2006/main" xmlns:r="http://schemas.openxmlformats.org/officeDocument/2006/relationships" xmlns:p="http://schemas.openxmlformats.org/presentationml/2006/main">
+  <p:cSld>
+    <p:spTree>
+      <p:nvGrpSpPr>
+        <p:cNvPr id="1" name=""/>
+        <p:cNvGrpSpPr/>
+        <p:nvPr/>
+      </p:nvGrpSpPr>
+      <p:grpSpPr>
+        <a:xfrm>
+          <a:off x="0" y="0"/>
+          <a:ext cx="0" cy="0"/>
+          <a:chOff x="0" y="0"/>
+          <a:chExt cx="0" cy="0"/>
+        </a:xfrm>
+      </p:grpSpPr>
+      <p:sp>
+        <p:nvSpPr>
+          <p:cNvPr id="3" name="标题 1">
+            <a:extLst>
+              <a:ext uri="{FF2B5EF4-FFF2-40B4-BE49-F238E27FC236}">
+                <a16:creationId xmlns:a16="http://schemas.microsoft.com/office/drawing/2014/main" id="{3140D296-780F-403E-9918-48759AFC7F2F}"/>
+              </a:ext>
+            </a:extLst>
+          </p:cNvPr>
+          <p:cNvSpPr>
+            <a:spLocks noGrp="1"/>
+          </p:cNvSpPr>
+          <p:nvPr>
+            <p:ph type="ctrTitle"/>
+          </p:nvPr>
+        </p:nvSpPr>
+        <p:spPr>
+          <a:xfrm>
+            <a:off x="1524000" y="393894"/>
+            <a:ext cx="9144000" cy="1104388"/>
+          </a:xfrm>
+        </p:spPr>
+        <p:txBody>
+          <a:bodyPr/>
+          <a:lstStyle/>
+          <a:p>
+            <a:r>
+              <a:rPr lang="zh-CN" altLang="en-US" dirty="0"/>
+              <a:t>药物投送系统</a:t>
+            </a:r>
+            <a:endParaRPr lang="en-US" dirty="0"/>
+          </a:p>
+        </p:txBody>
+      </p:sp>
+      <p:sp>
+        <p:nvSpPr>
+          <p:cNvPr id="4" name="矩形 3">
+            <a:extLst>
+              <a:ext uri="{FF2B5EF4-FFF2-40B4-BE49-F238E27FC236}">
+                <a16:creationId xmlns:a16="http://schemas.microsoft.com/office/drawing/2014/main" id="{1606AE69-FE2C-4715-A9F3-032C5AA27208}"/>
+              </a:ext>
+            </a:extLst>
+          </p:cNvPr>
+          <p:cNvSpPr/>
+          <p:nvPr/>
+        </p:nvSpPr>
+        <p:spPr>
+          <a:xfrm>
+            <a:off x="2685068" y="1498282"/>
+            <a:ext cx="7982932" cy="646331"/>
+          </a:xfrm>
+          <a:prstGeom prst="rect">
+            <a:avLst/>
+          </a:prstGeom>
+        </p:spPr>
+        <p:txBody>
+          <a:bodyPr wrap="square">
+            <a:spAutoFit/>
+          </a:bodyPr>
+          <a:lstStyle/>
+          <a:p>
+            <a:r>
+              <a:rPr lang="zh-CN" altLang="en-US" dirty="0"/>
+              <a:t>癌症药物像是爆炸力强悍的炸药，药物投送系统就是大炮、轰炸机和精确制导的炸弹。</a:t>
+            </a:r>
+            <a:endParaRPr lang="en-US" dirty="0"/>
+          </a:p>
+        </p:txBody>
+      </p:sp>
+      <p:sp>
+        <p:nvSpPr>
+          <p:cNvPr id="6" name="矩形 5">
+            <a:extLst>
+              <a:ext uri="{FF2B5EF4-FFF2-40B4-BE49-F238E27FC236}">
+                <a16:creationId xmlns:a16="http://schemas.microsoft.com/office/drawing/2014/main" id="{27B065F5-359A-4CFB-BE44-B1761340B069}"/>
+              </a:ext>
+            </a:extLst>
+          </p:cNvPr>
+          <p:cNvSpPr/>
+          <p:nvPr/>
+        </p:nvSpPr>
+        <p:spPr>
+          <a:xfrm>
+            <a:off x="2685068" y="2279504"/>
+            <a:ext cx="7982932" cy="3970318"/>
+          </a:xfrm>
+          <a:prstGeom prst="rect">
+            <a:avLst/>
+          </a:prstGeom>
+        </p:spPr>
+        <p:txBody>
+          <a:bodyPr wrap="square">
+            <a:spAutoFit/>
+          </a:bodyPr>
+          <a:lstStyle/>
+          <a:p>
+            <a:r>
+              <a:rPr lang="zh-CN" altLang="en-US" dirty="0"/>
+              <a:t>低效的药物投送系统</a:t>
+            </a:r>
+            <a:endParaRPr lang="en-US" altLang="zh-CN" dirty="0"/>
+          </a:p>
+          <a:p>
+            <a:r>
+              <a:rPr lang="zh-CN" altLang="en-US" dirty="0"/>
+              <a:t>口服、注射</a:t>
+            </a:r>
+            <a:endParaRPr lang="en-US" altLang="zh-CN" dirty="0"/>
+          </a:p>
+          <a:p>
+            <a:r>
+              <a:rPr lang="zh-CN" altLang="en-US" dirty="0"/>
+              <a:t>癌症发生在局部，药物需要在血液经过漫长运输才能到达患病部位。</a:t>
+            </a:r>
+            <a:endParaRPr lang="en-US" altLang="zh-CN" dirty="0"/>
+          </a:p>
+          <a:p>
+            <a:r>
+              <a:rPr lang="zh-CN" altLang="en-US" dirty="0"/>
+              <a:t>加大药量，对身体产生副作用。</a:t>
+            </a:r>
+            <a:endParaRPr lang="en-US" altLang="zh-CN" dirty="0"/>
+          </a:p>
+          <a:p>
+            <a:endParaRPr lang="en-US" dirty="0"/>
+          </a:p>
+          <a:p>
+            <a:r>
+              <a:rPr lang="zh-CN" altLang="en-US" dirty="0"/>
+              <a:t>癌细胞的“豆腐渣”血管</a:t>
+            </a:r>
+            <a:endParaRPr lang="en-US" altLang="zh-CN" dirty="0"/>
+          </a:p>
+          <a:p>
+            <a:endParaRPr lang="en-US" dirty="0"/>
+          </a:p>
+          <a:p>
+            <a:r>
+              <a:rPr lang="zh-CN" altLang="en-US" dirty="0"/>
+              <a:t>导弹式投送系统</a:t>
+            </a:r>
+            <a:endParaRPr lang="en-US" altLang="zh-CN" dirty="0"/>
+          </a:p>
+          <a:p>
+            <a:r>
+              <a:rPr lang="zh-CN" altLang="en-US" dirty="0"/>
+              <a:t>导弹加药物</a:t>
+            </a:r>
+            <a:endParaRPr lang="en-US" altLang="zh-CN" dirty="0"/>
+          </a:p>
+          <a:p>
+            <a:endParaRPr lang="en-US" dirty="0"/>
+          </a:p>
+          <a:p>
+            <a:r>
+              <a:rPr lang="zh-CN" altLang="en-US" dirty="0"/>
+              <a:t>天然精准投送系统 </a:t>
+            </a:r>
+            <a:r>
+              <a:rPr lang="en-US" altLang="zh-CN" dirty="0"/>
+              <a:t>—— </a:t>
+            </a:r>
+            <a:r>
+              <a:rPr lang="zh-CN" altLang="en-US" dirty="0"/>
+              <a:t>病毒</a:t>
+            </a:r>
+            <a:endParaRPr lang="en-US" altLang="zh-CN" dirty="0"/>
+          </a:p>
+          <a:p>
+            <a:r>
+              <a:rPr lang="zh-CN" altLang="en-US" dirty="0"/>
+              <a:t>绝大多数病毒都有精确到极致的细胞识别能力。 </a:t>
+            </a:r>
+            <a:endParaRPr lang="en-US" altLang="zh-CN" dirty="0"/>
+          </a:p>
+          <a:p>
+            <a:r>
+              <a:rPr lang="zh-CN" altLang="en-US" dirty="0"/>
+              <a:t>病毒尺寸更大，可以装更多的弹药。</a:t>
+            </a:r>
+            <a:endParaRPr lang="en-US" altLang="zh-CN" dirty="0"/>
+          </a:p>
+          <a:p>
+            <a:endParaRPr lang="en-US" dirty="0"/>
+          </a:p>
+        </p:txBody>
+      </p:sp>
+      <p:sp>
+        <p:nvSpPr>
+          <p:cNvPr id="2" name="矩形 1">
+            <a:extLst>
+              <a:ext uri="{FF2B5EF4-FFF2-40B4-BE49-F238E27FC236}">
+                <a16:creationId xmlns:a16="http://schemas.microsoft.com/office/drawing/2014/main" id="{9CDB10AA-B075-47D5-8026-5EE128242E1B}"/>
+              </a:ext>
+            </a:extLst>
+          </p:cNvPr>
+          <p:cNvSpPr/>
+          <p:nvPr/>
+        </p:nvSpPr>
+        <p:spPr>
+          <a:xfrm>
+            <a:off x="220394" y="2967335"/>
+            <a:ext cx="2185181" cy="2031325"/>
+          </a:xfrm>
+          <a:prstGeom prst="rect">
+            <a:avLst/>
+          </a:prstGeom>
+        </p:spPr>
+        <p:txBody>
+          <a:bodyPr wrap="square">
+            <a:spAutoFit/>
+          </a:bodyPr>
+          <a:lstStyle/>
+          <a:p>
+            <a:r>
+              <a:rPr lang="zh-CN" altLang="en-US" dirty="0"/>
+              <a:t>比如说流感病毒，它就只会识别人体的呼吸道上皮细胞。而乙肝病毒，它就只会识别人体的肝脏细胞，对任何别的细胞都不感兴趣。 </a:t>
+            </a:r>
+            <a:endParaRPr lang="en-US" altLang="zh-CN" dirty="0"/>
+          </a:p>
+        </p:txBody>
+      </p:sp>
+    </p:spTree>
+    <p:extLst>
+      <p:ext uri="{BB962C8B-B14F-4D97-AF65-F5344CB8AC3E}">
+        <p14:creationId xmlns:p14="http://schemas.microsoft.com/office/powerpoint/2010/main" val="2490910763"/>
+      </p:ext>
+    </p:extLst>
+  </p:cSld>
+  <p:clrMapOvr>
+    <a:masterClrMapping/>
+  </p:clrMapOvr>
+</p:sld>
+</file>
+
+<file path=ppt/slides/slide13.xml><?xml version="1.0" encoding="utf-8"?>
+<p:sld xmlns:a="http://schemas.openxmlformats.org/drawingml/2006/main" xmlns:r="http://schemas.openxmlformats.org/officeDocument/2006/relationships" xmlns:p="http://schemas.openxmlformats.org/presentationml/2006/main">
+  <p:cSld>
+    <p:spTree>
+      <p:nvGrpSpPr>
+        <p:cNvPr id="1" name=""/>
+        <p:cNvGrpSpPr/>
+        <p:nvPr/>
+      </p:nvGrpSpPr>
+      <p:grpSpPr>
+        <a:xfrm>
+          <a:off x="0" y="0"/>
+          <a:ext cx="0" cy="0"/>
+          <a:chOff x="0" y="0"/>
+          <a:chExt cx="0" cy="0"/>
+        </a:xfrm>
+      </p:grpSpPr>
+      <p:sp>
+        <p:nvSpPr>
+          <p:cNvPr id="8" name="标题 1">
+            <a:extLst>
+              <a:ext uri="{FF2B5EF4-FFF2-40B4-BE49-F238E27FC236}">
+                <a16:creationId xmlns:a16="http://schemas.microsoft.com/office/drawing/2014/main" id="{ED29A9E3-1889-4117-B59F-FCC09D15D5D9}"/>
+              </a:ext>
+            </a:extLst>
+          </p:cNvPr>
+          <p:cNvSpPr>
+            <a:spLocks noGrp="1"/>
+          </p:cNvSpPr>
+          <p:nvPr>
+            <p:ph type="ctrTitle"/>
+          </p:nvPr>
+        </p:nvSpPr>
+        <p:spPr>
+          <a:xfrm>
+            <a:off x="1524000" y="393894"/>
+            <a:ext cx="9144000" cy="1104388"/>
+          </a:xfrm>
+        </p:spPr>
+        <p:txBody>
+          <a:bodyPr/>
+          <a:lstStyle/>
+          <a:p>
+            <a:r>
+              <a:rPr lang="zh-CN" altLang="en-US" dirty="0"/>
+              <a:t>破坏癌细胞的支持系统</a:t>
+            </a:r>
+            <a:endParaRPr lang="en-US" dirty="0"/>
+          </a:p>
+        </p:txBody>
+      </p:sp>
+      <p:sp>
+        <p:nvSpPr>
+          <p:cNvPr id="9" name="矩形 8">
+            <a:extLst>
+              <a:ext uri="{FF2B5EF4-FFF2-40B4-BE49-F238E27FC236}">
+                <a16:creationId xmlns:a16="http://schemas.microsoft.com/office/drawing/2014/main" id="{E24F5BD1-91F0-4800-A6FD-BA8762606423}"/>
+              </a:ext>
+            </a:extLst>
+          </p:cNvPr>
+          <p:cNvSpPr/>
+          <p:nvPr/>
+        </p:nvSpPr>
+        <p:spPr>
+          <a:xfrm>
+            <a:off x="2104534" y="1498282"/>
+            <a:ext cx="7982932" cy="1477328"/>
+          </a:xfrm>
+          <a:prstGeom prst="rect">
+            <a:avLst/>
+          </a:prstGeom>
+        </p:spPr>
+        <p:txBody>
+          <a:bodyPr wrap="square">
+            <a:spAutoFit/>
+          </a:bodyPr>
+          <a:lstStyle/>
+          <a:p>
+            <a:r>
+              <a:rPr lang="zh-CN" altLang="en-US" dirty="0"/>
+              <a:t>癌细胞和人体系统的“相爱相杀”</a:t>
+            </a:r>
+          </a:p>
+          <a:p>
+            <a:r>
+              <a:rPr lang="zh-CN" altLang="en-US" dirty="0"/>
+              <a:t>癌细胞、癌症组织，和正常的身体细胞、整个人体系统之间存在着千丝万缕的联系。从诞生、生长、分裂繁殖，到死亡的整个周期里，癌细胞都需要来自周围环境的支持。 </a:t>
+            </a:r>
+          </a:p>
+          <a:p>
+            <a:endParaRPr lang="en-US" dirty="0"/>
+          </a:p>
+        </p:txBody>
+      </p:sp>
+      <p:sp>
+        <p:nvSpPr>
+          <p:cNvPr id="11" name="矩形 10">
+            <a:extLst>
+              <a:ext uri="{FF2B5EF4-FFF2-40B4-BE49-F238E27FC236}">
+                <a16:creationId xmlns:a16="http://schemas.microsoft.com/office/drawing/2014/main" id="{707A3F47-158B-4AC5-8E76-46635B26BF71}"/>
+              </a:ext>
+            </a:extLst>
+          </p:cNvPr>
+          <p:cNvSpPr/>
+          <p:nvPr/>
+        </p:nvSpPr>
+        <p:spPr>
+          <a:xfrm>
+            <a:off x="2104534" y="2975610"/>
+            <a:ext cx="6096000" cy="3139321"/>
+          </a:xfrm>
+          <a:prstGeom prst="rect">
+            <a:avLst/>
+          </a:prstGeom>
+        </p:spPr>
+        <p:txBody>
+          <a:bodyPr>
+            <a:spAutoFit/>
+          </a:bodyPr>
+          <a:lstStyle/>
+          <a:p>
+            <a:r>
+              <a:rPr lang="en-US" dirty="0" err="1"/>
+              <a:t>癌细胞想要在人体当中自由繁殖，还必须能逃避人体免疫系统的识别和追杀</a:t>
+            </a:r>
+            <a:r>
+              <a:rPr lang="en-US" dirty="0"/>
+              <a:t>。</a:t>
+            </a:r>
+          </a:p>
+          <a:p>
+            <a:r>
+              <a:rPr lang="en-US" dirty="0"/>
+              <a:t>我们知道人体有非常发达的免疫系统。这套系统除了能够识别并且杀伤外来的细菌病毒之外，还能够识别人体当中产生的异常细胞，并且把它们迅速杀死。</a:t>
+            </a:r>
+          </a:p>
+          <a:p>
+            <a:r>
+              <a:rPr lang="en-US" dirty="0"/>
+              <a:t>其实有人估算，因为难以避免的基因变异，人体当中每天都会产生成百上千个具备快速的生长和繁殖能力的癌细胞，但是它们当中绝大多数都会在第一时间被人体的免疫系统发现并杀死，根本不会发展成癌症。</a:t>
+            </a:r>
+          </a:p>
+          <a:p>
+            <a:r>
+              <a:rPr lang="en-US" dirty="0" err="1"/>
+              <a:t>反过来说，那些最终发展成癌症的癌细胞，肯定是通过了某个方式，逃避了免疫系统的追杀</a:t>
+            </a:r>
+            <a:r>
+              <a:rPr lang="en-US" dirty="0"/>
+              <a:t>。</a:t>
+            </a:r>
+          </a:p>
+        </p:txBody>
+      </p:sp>
+    </p:spTree>
+    <p:extLst>
+      <p:ext uri="{BB962C8B-B14F-4D97-AF65-F5344CB8AC3E}">
+        <p14:creationId xmlns:p14="http://schemas.microsoft.com/office/powerpoint/2010/main" val="3131655898"/>
       </p:ext>
     </p:extLst>
   </p:cSld>

--- a/癌症/New Microsoft PowerPoint Presentation.pptx
+++ b/癌症/New Microsoft PowerPoint Presentation.pptx
@@ -18,6 +18,11 @@
     <p:sldId id="266" r:id="rId12"/>
     <p:sldId id="267" r:id="rId13"/>
     <p:sldId id="268" r:id="rId14"/>
+    <p:sldId id="269" r:id="rId15"/>
+    <p:sldId id="270" r:id="rId16"/>
+    <p:sldId id="272" r:id="rId17"/>
+    <p:sldId id="273" r:id="rId18"/>
+    <p:sldId id="271" r:id="rId19"/>
   </p:sldIdLst>
   <p:sldSz cx="12192000" cy="6858000"/>
   <p:notesSz cx="6858000" cy="9144000"/>
@@ -273,7 +278,7 @@
           <a:p>
             <a:fld id="{0F4B4438-FBBC-481F-9AD6-3DAA6466D2C0}" type="datetimeFigureOut">
               <a:rPr lang="en-US" smtClean="0"/>
-              <a:t>1/28/2019</a:t>
+              <a:t>1/29/2019</a:t>
             </a:fld>
             <a:endParaRPr lang="en-US"/>
           </a:p>
@@ -473,7 +478,7 @@
           <a:p>
             <a:fld id="{0F4B4438-FBBC-481F-9AD6-3DAA6466D2C0}" type="datetimeFigureOut">
               <a:rPr lang="en-US" smtClean="0"/>
-              <a:t>1/28/2019</a:t>
+              <a:t>1/29/2019</a:t>
             </a:fld>
             <a:endParaRPr lang="en-US"/>
           </a:p>
@@ -683,7 +688,7 @@
           <a:p>
             <a:fld id="{0F4B4438-FBBC-481F-9AD6-3DAA6466D2C0}" type="datetimeFigureOut">
               <a:rPr lang="en-US" smtClean="0"/>
-              <a:t>1/28/2019</a:t>
+              <a:t>1/29/2019</a:t>
             </a:fld>
             <a:endParaRPr lang="en-US"/>
           </a:p>
@@ -883,7 +888,7 @@
           <a:p>
             <a:fld id="{0F4B4438-FBBC-481F-9AD6-3DAA6466D2C0}" type="datetimeFigureOut">
               <a:rPr lang="en-US" smtClean="0"/>
-              <a:t>1/28/2019</a:t>
+              <a:t>1/29/2019</a:t>
             </a:fld>
             <a:endParaRPr lang="en-US"/>
           </a:p>
@@ -1159,7 +1164,7 @@
           <a:p>
             <a:fld id="{0F4B4438-FBBC-481F-9AD6-3DAA6466D2C0}" type="datetimeFigureOut">
               <a:rPr lang="en-US" smtClean="0"/>
-              <a:t>1/28/2019</a:t>
+              <a:t>1/29/2019</a:t>
             </a:fld>
             <a:endParaRPr lang="en-US"/>
           </a:p>
@@ -1427,7 +1432,7 @@
           <a:p>
             <a:fld id="{0F4B4438-FBBC-481F-9AD6-3DAA6466D2C0}" type="datetimeFigureOut">
               <a:rPr lang="en-US" smtClean="0"/>
-              <a:t>1/28/2019</a:t>
+              <a:t>1/29/2019</a:t>
             </a:fld>
             <a:endParaRPr lang="en-US"/>
           </a:p>
@@ -1842,7 +1847,7 @@
           <a:p>
             <a:fld id="{0F4B4438-FBBC-481F-9AD6-3DAA6466D2C0}" type="datetimeFigureOut">
               <a:rPr lang="en-US" smtClean="0"/>
-              <a:t>1/28/2019</a:t>
+              <a:t>1/29/2019</a:t>
             </a:fld>
             <a:endParaRPr lang="en-US"/>
           </a:p>
@@ -1984,7 +1989,7 @@
           <a:p>
             <a:fld id="{0F4B4438-FBBC-481F-9AD6-3DAA6466D2C0}" type="datetimeFigureOut">
               <a:rPr lang="en-US" smtClean="0"/>
-              <a:t>1/28/2019</a:t>
+              <a:t>1/29/2019</a:t>
             </a:fld>
             <a:endParaRPr lang="en-US"/>
           </a:p>
@@ -2097,7 +2102,7 @@
           <a:p>
             <a:fld id="{0F4B4438-FBBC-481F-9AD6-3DAA6466D2C0}" type="datetimeFigureOut">
               <a:rPr lang="en-US" smtClean="0"/>
-              <a:t>1/28/2019</a:t>
+              <a:t>1/29/2019</a:t>
             </a:fld>
             <a:endParaRPr lang="en-US"/>
           </a:p>
@@ -2410,7 +2415,7 @@
           <a:p>
             <a:fld id="{0F4B4438-FBBC-481F-9AD6-3DAA6466D2C0}" type="datetimeFigureOut">
               <a:rPr lang="en-US" smtClean="0"/>
-              <a:t>1/28/2019</a:t>
+              <a:t>1/29/2019</a:t>
             </a:fld>
             <a:endParaRPr lang="en-US"/>
           </a:p>
@@ -2699,7 +2704,7 @@
           <a:p>
             <a:fld id="{0F4B4438-FBBC-481F-9AD6-3DAA6466D2C0}" type="datetimeFigureOut">
               <a:rPr lang="en-US" smtClean="0"/>
-              <a:t>1/28/2019</a:t>
+              <a:t>1/29/2019</a:t>
             </a:fld>
             <a:endParaRPr lang="en-US"/>
           </a:p>
@@ -2942,7 +2947,7 @@
           <a:p>
             <a:fld id="{0F4B4438-FBBC-481F-9AD6-3DAA6466D2C0}" type="datetimeFigureOut">
               <a:rPr lang="en-US" smtClean="0"/>
-              <a:t>1/28/2019</a:t>
+              <a:t>1/29/2019</a:t>
             </a:fld>
             <a:endParaRPr lang="en-US"/>
           </a:p>
@@ -4112,7 +4117,7 @@
         </p:nvSpPr>
         <p:spPr>
           <a:xfrm>
-            <a:off x="1524000" y="393894"/>
+            <a:off x="1524000" y="351691"/>
             <a:ext cx="9144000" cy="1104388"/>
           </a:xfrm>
         </p:spPr>
@@ -4122,7 +4127,7 @@
           <a:p>
             <a:r>
               <a:rPr lang="zh-CN" altLang="en-US" dirty="0"/>
-              <a:t>破坏癌细胞的支持系统</a:t>
+              <a:t>癌细胞获得支持系统</a:t>
             </a:r>
             <a:endParaRPr lang="en-US" dirty="0"/>
           </a:p>
@@ -4142,8 +4147,8 @@
         </p:nvSpPr>
         <p:spPr>
           <a:xfrm>
-            <a:off x="2104534" y="1498282"/>
-            <a:ext cx="7982932" cy="1477328"/>
+            <a:off x="2104534" y="1456079"/>
+            <a:ext cx="7982932" cy="2585323"/>
           </a:xfrm>
           <a:prstGeom prst="rect">
             <a:avLst/>
@@ -4157,6 +4162,38 @@
           <a:p>
             <a:r>
               <a:rPr lang="zh-CN" altLang="en-US" dirty="0"/>
+              <a:t>癌细胞与人体系统的关系</a:t>
+            </a:r>
+            <a:endParaRPr lang="en-US" altLang="zh-CN" dirty="0"/>
+          </a:p>
+          <a:p>
+            <a:r>
+              <a:rPr lang="en-US" altLang="zh-CN" dirty="0"/>
+              <a:t>1.</a:t>
+            </a:r>
+            <a:r>
+              <a:rPr lang="zh-CN" altLang="en-US" dirty="0"/>
+              <a:t>获得支持</a:t>
+            </a:r>
+            <a:endParaRPr lang="en-US" altLang="zh-CN" dirty="0"/>
+          </a:p>
+          <a:p>
+            <a:r>
+              <a:rPr lang="en-US" altLang="zh-CN" dirty="0"/>
+              <a:t>2.</a:t>
+            </a:r>
+            <a:r>
+              <a:rPr lang="zh-CN" altLang="en-US" dirty="0"/>
+              <a:t>逃避追杀</a:t>
+            </a:r>
+            <a:endParaRPr lang="en-US" altLang="zh-CN" dirty="0"/>
+          </a:p>
+          <a:p>
+            <a:endParaRPr lang="en-US" altLang="zh-CN" dirty="0"/>
+          </a:p>
+          <a:p>
+            <a:r>
+              <a:rPr lang="zh-CN" altLang="en-US" dirty="0"/>
               <a:t>癌细胞和人体系统的“相爱相杀”</a:t>
             </a:r>
           </a:p>
@@ -4185,15 +4222,15 @@
         </p:nvSpPr>
         <p:spPr>
           <a:xfrm>
-            <a:off x="2104534" y="2975610"/>
-            <a:ext cx="6096000" cy="3139321"/>
+            <a:off x="478301" y="4888816"/>
+            <a:ext cx="10916529" cy="1754326"/>
           </a:xfrm>
           <a:prstGeom prst="rect">
             <a:avLst/>
           </a:prstGeom>
         </p:spPr>
         <p:txBody>
-          <a:bodyPr>
+          <a:bodyPr wrap="square">
             <a:spAutoFit/>
           </a:bodyPr>
           <a:lstStyle/>
@@ -4235,6 +4272,983 @@
     <p:extLst>
       <p:ext uri="{BB962C8B-B14F-4D97-AF65-F5344CB8AC3E}">
         <p14:creationId xmlns:p14="http://schemas.microsoft.com/office/powerpoint/2010/main" val="3131655898"/>
+      </p:ext>
+    </p:extLst>
+  </p:cSld>
+  <p:clrMapOvr>
+    <a:masterClrMapping/>
+  </p:clrMapOvr>
+</p:sld>
+</file>
+
+<file path=ppt/slides/slide14.xml><?xml version="1.0" encoding="utf-8"?>
+<p:sld xmlns:a="http://schemas.openxmlformats.org/drawingml/2006/main" xmlns:r="http://schemas.openxmlformats.org/officeDocument/2006/relationships" xmlns:p="http://schemas.openxmlformats.org/presentationml/2006/main">
+  <p:cSld>
+    <p:spTree>
+      <p:nvGrpSpPr>
+        <p:cNvPr id="1" name=""/>
+        <p:cNvGrpSpPr/>
+        <p:nvPr/>
+      </p:nvGrpSpPr>
+      <p:grpSpPr>
+        <a:xfrm>
+          <a:off x="0" y="0"/>
+          <a:ext cx="0" cy="0"/>
+          <a:chOff x="0" y="0"/>
+          <a:chExt cx="0" cy="0"/>
+        </a:xfrm>
+      </p:grpSpPr>
+      <p:sp>
+        <p:nvSpPr>
+          <p:cNvPr id="12" name="矩形 11">
+            <a:extLst>
+              <a:ext uri="{FF2B5EF4-FFF2-40B4-BE49-F238E27FC236}">
+                <a16:creationId xmlns:a16="http://schemas.microsoft.com/office/drawing/2014/main" id="{2043CD6C-ADD6-4084-9311-2BD6450D4387}"/>
+              </a:ext>
+            </a:extLst>
+          </p:cNvPr>
+          <p:cNvSpPr/>
+          <p:nvPr/>
+        </p:nvSpPr>
+        <p:spPr>
+          <a:xfrm>
+            <a:off x="3438862" y="2287731"/>
+            <a:ext cx="5314275" cy="400110"/>
+          </a:xfrm>
+          <a:prstGeom prst="rect">
+            <a:avLst/>
+          </a:prstGeom>
+        </p:spPr>
+        <p:txBody>
+          <a:bodyPr wrap="none">
+            <a:spAutoFit/>
+          </a:bodyPr>
+          <a:lstStyle/>
+          <a:p>
+            <a:r>
+              <a:rPr lang="zh-CN" altLang="en-US" sz="2000" dirty="0"/>
+              <a:t>癌细胞与人体系统之间存在的千丝万缕的联系</a:t>
+            </a:r>
+            <a:endParaRPr lang="en-US" sz="2000" dirty="0"/>
+          </a:p>
+        </p:txBody>
+      </p:sp>
+    </p:spTree>
+    <p:extLst>
+      <p:ext uri="{BB962C8B-B14F-4D97-AF65-F5344CB8AC3E}">
+        <p14:creationId xmlns:p14="http://schemas.microsoft.com/office/powerpoint/2010/main" val="1303157420"/>
+      </p:ext>
+    </p:extLst>
+  </p:cSld>
+  <p:clrMapOvr>
+    <a:masterClrMapping/>
+  </p:clrMapOvr>
+</p:sld>
+</file>
+
+<file path=ppt/slides/slide15.xml><?xml version="1.0" encoding="utf-8"?>
+<p:sld xmlns:a="http://schemas.openxmlformats.org/drawingml/2006/main" xmlns:r="http://schemas.openxmlformats.org/officeDocument/2006/relationships" xmlns:p="http://schemas.openxmlformats.org/presentationml/2006/main">
+  <p:cSld>
+    <p:spTree>
+      <p:nvGrpSpPr>
+        <p:cNvPr id="1" name=""/>
+        <p:cNvGrpSpPr/>
+        <p:nvPr/>
+      </p:nvGrpSpPr>
+      <p:grpSpPr>
+        <a:xfrm>
+          <a:off x="0" y="0"/>
+          <a:ext cx="0" cy="0"/>
+          <a:chOff x="0" y="0"/>
+          <a:chExt cx="0" cy="0"/>
+        </a:xfrm>
+      </p:grpSpPr>
+      <p:sp>
+        <p:nvSpPr>
+          <p:cNvPr id="8" name="标题 1">
+            <a:extLst>
+              <a:ext uri="{FF2B5EF4-FFF2-40B4-BE49-F238E27FC236}">
+                <a16:creationId xmlns:a16="http://schemas.microsoft.com/office/drawing/2014/main" id="{ED29A9E3-1889-4117-B59F-FCC09D15D5D9}"/>
+              </a:ext>
+            </a:extLst>
+          </p:cNvPr>
+          <p:cNvSpPr>
+            <a:spLocks noGrp="1"/>
+          </p:cNvSpPr>
+          <p:nvPr>
+            <p:ph type="ctrTitle"/>
+          </p:nvPr>
+        </p:nvSpPr>
+        <p:spPr>
+          <a:xfrm>
+            <a:off x="1524000" y="393894"/>
+            <a:ext cx="9144000" cy="1104388"/>
+          </a:xfrm>
+        </p:spPr>
+        <p:txBody>
+          <a:bodyPr>
+            <a:normAutofit fontScale="90000"/>
+          </a:bodyPr>
+          <a:lstStyle/>
+          <a:p>
+            <a:r>
+              <a:rPr lang="zh-CN" altLang="en-US" dirty="0"/>
+              <a:t>癌细胞获得支持的三个阶段</a:t>
+            </a:r>
+            <a:endParaRPr lang="en-US" dirty="0"/>
+          </a:p>
+        </p:txBody>
+      </p:sp>
+      <p:sp>
+        <p:nvSpPr>
+          <p:cNvPr id="2" name="矩形 1">
+            <a:extLst>
+              <a:ext uri="{FF2B5EF4-FFF2-40B4-BE49-F238E27FC236}">
+                <a16:creationId xmlns:a16="http://schemas.microsoft.com/office/drawing/2014/main" id="{779F0EBD-FBA7-4F3D-A4D7-BDE030204063}"/>
+              </a:ext>
+            </a:extLst>
+          </p:cNvPr>
+          <p:cNvSpPr/>
+          <p:nvPr/>
+        </p:nvSpPr>
+        <p:spPr>
+          <a:xfrm>
+            <a:off x="2004956" y="1795363"/>
+            <a:ext cx="6766596" cy="369332"/>
+          </a:xfrm>
+          <a:prstGeom prst="rect">
+            <a:avLst/>
+          </a:prstGeom>
+        </p:spPr>
+        <p:txBody>
+          <a:bodyPr wrap="none">
+            <a:spAutoFit/>
+          </a:bodyPr>
+          <a:lstStyle/>
+          <a:p>
+            <a:r>
+              <a:rPr lang="zh-CN" altLang="en-US" dirty="0"/>
+              <a:t>癌细胞疯狂分裂繁殖需要人体系统的批准放行</a:t>
+            </a:r>
+            <a:r>
+              <a:rPr lang="en-US" altLang="zh-CN" dirty="0"/>
+              <a:t>——</a:t>
+            </a:r>
+            <a:r>
+              <a:rPr lang="zh-CN" altLang="en-US" dirty="0"/>
+              <a:t>“生长因子”蛋白</a:t>
+            </a:r>
+            <a:endParaRPr lang="en-US" altLang="zh-CN" dirty="0"/>
+          </a:p>
+        </p:txBody>
+      </p:sp>
+      <p:sp>
+        <p:nvSpPr>
+          <p:cNvPr id="6" name="矩形 5">
+            <a:extLst>
+              <a:ext uri="{FF2B5EF4-FFF2-40B4-BE49-F238E27FC236}">
+                <a16:creationId xmlns:a16="http://schemas.microsoft.com/office/drawing/2014/main" id="{B7BBF18A-D017-43DC-8A8F-8CD7092788D5}"/>
+              </a:ext>
+            </a:extLst>
+          </p:cNvPr>
+          <p:cNvSpPr/>
+          <p:nvPr/>
+        </p:nvSpPr>
+        <p:spPr>
+          <a:xfrm>
+            <a:off x="2004956" y="2461776"/>
+            <a:ext cx="5910592" cy="369332"/>
+          </a:xfrm>
+          <a:prstGeom prst="rect">
+            <a:avLst/>
+          </a:prstGeom>
+        </p:spPr>
+        <p:txBody>
+          <a:bodyPr wrap="none">
+            <a:spAutoFit/>
+          </a:bodyPr>
+          <a:lstStyle/>
+          <a:p>
+            <a:r>
+              <a:rPr lang="zh-CN" altLang="en-US" dirty="0"/>
+              <a:t>肿瘤的快速生长需要人体血管系统的支持</a:t>
+            </a:r>
+            <a:r>
+              <a:rPr lang="en-US" altLang="zh-CN" dirty="0"/>
+              <a:t>——</a:t>
+            </a:r>
+            <a:r>
+              <a:rPr lang="zh-CN" altLang="en-US" dirty="0"/>
+              <a:t>养料和氧气</a:t>
+            </a:r>
+            <a:endParaRPr lang="en-US" altLang="zh-CN" dirty="0"/>
+          </a:p>
+        </p:txBody>
+      </p:sp>
+      <p:sp>
+        <p:nvSpPr>
+          <p:cNvPr id="7" name="矩形 6">
+            <a:extLst>
+              <a:ext uri="{FF2B5EF4-FFF2-40B4-BE49-F238E27FC236}">
+                <a16:creationId xmlns:a16="http://schemas.microsoft.com/office/drawing/2014/main" id="{17796B5C-96E4-4A67-B0DF-314C45C69FC0}"/>
+              </a:ext>
+            </a:extLst>
+          </p:cNvPr>
+          <p:cNvSpPr/>
+          <p:nvPr/>
+        </p:nvSpPr>
+        <p:spPr>
+          <a:xfrm>
+            <a:off x="2004956" y="3128189"/>
+            <a:ext cx="4339650" cy="369332"/>
+          </a:xfrm>
+          <a:prstGeom prst="rect">
+            <a:avLst/>
+          </a:prstGeom>
+        </p:spPr>
+        <p:txBody>
+          <a:bodyPr wrap="none">
+            <a:spAutoFit/>
+          </a:bodyPr>
+          <a:lstStyle/>
+          <a:p>
+            <a:r>
+              <a:rPr lang="zh-CN" altLang="en-US" dirty="0"/>
+              <a:t>癌症的转移和扩散也需要人体系统的支持</a:t>
+            </a:r>
+            <a:endParaRPr lang="en-US" altLang="zh-CN" dirty="0"/>
+          </a:p>
+        </p:txBody>
+      </p:sp>
+      <p:sp>
+        <p:nvSpPr>
+          <p:cNvPr id="10" name="矩形 9">
+            <a:extLst>
+              <a:ext uri="{FF2B5EF4-FFF2-40B4-BE49-F238E27FC236}">
+                <a16:creationId xmlns:a16="http://schemas.microsoft.com/office/drawing/2014/main" id="{E77BB6F7-A82B-4375-907B-D6083D789BB0}"/>
+              </a:ext>
+            </a:extLst>
+          </p:cNvPr>
+          <p:cNvSpPr/>
+          <p:nvPr/>
+        </p:nvSpPr>
+        <p:spPr>
+          <a:xfrm>
+            <a:off x="2005284" y="3794602"/>
+            <a:ext cx="2373022" cy="923330"/>
+          </a:xfrm>
+          <a:prstGeom prst="rect">
+            <a:avLst/>
+          </a:prstGeom>
+        </p:spPr>
+        <p:txBody>
+          <a:bodyPr wrap="none">
+            <a:spAutoFit/>
+          </a:bodyPr>
+          <a:lstStyle/>
+          <a:p>
+            <a:r>
+              <a:rPr lang="zh-CN" altLang="en-US" dirty="0"/>
+              <a:t>挖掘内力 </a:t>
+            </a:r>
+            <a:r>
+              <a:rPr lang="en-US" altLang="zh-CN" dirty="0"/>
+              <a:t>VS </a:t>
+            </a:r>
+            <a:r>
+              <a:rPr lang="zh-CN" altLang="en-US" dirty="0"/>
+              <a:t>借助外力</a:t>
+            </a:r>
+            <a:endParaRPr lang="en-US" altLang="zh-CN" dirty="0"/>
+          </a:p>
+          <a:p>
+            <a:r>
+              <a:rPr lang="zh-CN" altLang="en-US" dirty="0"/>
+              <a:t>适用多种癌症</a:t>
+            </a:r>
+            <a:endParaRPr lang="en-US" altLang="zh-CN" dirty="0"/>
+          </a:p>
+          <a:p>
+            <a:endParaRPr lang="en-US" altLang="zh-CN" dirty="0"/>
+          </a:p>
+        </p:txBody>
+      </p:sp>
+    </p:spTree>
+    <p:extLst>
+      <p:ext uri="{BB962C8B-B14F-4D97-AF65-F5344CB8AC3E}">
+        <p14:creationId xmlns:p14="http://schemas.microsoft.com/office/powerpoint/2010/main" val="200027016"/>
+      </p:ext>
+    </p:extLst>
+  </p:cSld>
+  <p:clrMapOvr>
+    <a:masterClrMapping/>
+  </p:clrMapOvr>
+</p:sld>
+</file>
+
+<file path=ppt/slides/slide16.xml><?xml version="1.0" encoding="utf-8"?>
+<p:sld xmlns:a="http://schemas.openxmlformats.org/drawingml/2006/main" xmlns:r="http://schemas.openxmlformats.org/officeDocument/2006/relationships" xmlns:p="http://schemas.openxmlformats.org/presentationml/2006/main">
+  <p:cSld>
+    <p:spTree>
+      <p:nvGrpSpPr>
+        <p:cNvPr id="1" name=""/>
+        <p:cNvGrpSpPr/>
+        <p:nvPr/>
+      </p:nvGrpSpPr>
+      <p:grpSpPr>
+        <a:xfrm>
+          <a:off x="0" y="0"/>
+          <a:ext cx="0" cy="0"/>
+          <a:chOff x="0" y="0"/>
+          <a:chExt cx="0" cy="0"/>
+        </a:xfrm>
+      </p:grpSpPr>
+      <p:sp>
+        <p:nvSpPr>
+          <p:cNvPr id="8" name="标题 1">
+            <a:extLst>
+              <a:ext uri="{FF2B5EF4-FFF2-40B4-BE49-F238E27FC236}">
+                <a16:creationId xmlns:a16="http://schemas.microsoft.com/office/drawing/2014/main" id="{ED29A9E3-1889-4117-B59F-FCC09D15D5D9}"/>
+              </a:ext>
+            </a:extLst>
+          </p:cNvPr>
+          <p:cNvSpPr>
+            <a:spLocks noGrp="1"/>
+          </p:cNvSpPr>
+          <p:nvPr>
+            <p:ph type="ctrTitle"/>
+          </p:nvPr>
+        </p:nvSpPr>
+        <p:spPr>
+          <a:xfrm>
+            <a:off x="1524000" y="604837"/>
+            <a:ext cx="9144000" cy="1104388"/>
+          </a:xfrm>
+        </p:spPr>
+        <p:txBody>
+          <a:bodyPr>
+            <a:normAutofit fontScale="90000"/>
+          </a:bodyPr>
+          <a:lstStyle/>
+          <a:p>
+            <a:r>
+              <a:rPr lang="zh-CN" altLang="en-US" dirty="0"/>
+              <a:t>免疫疗法：如何唤醒免疫系统追杀癌症</a:t>
+            </a:r>
+            <a:endParaRPr lang="en-US" dirty="0"/>
+          </a:p>
+        </p:txBody>
+      </p:sp>
+      <p:sp>
+        <p:nvSpPr>
+          <p:cNvPr id="9" name="矩形 8">
+            <a:extLst>
+              <a:ext uri="{FF2B5EF4-FFF2-40B4-BE49-F238E27FC236}">
+                <a16:creationId xmlns:a16="http://schemas.microsoft.com/office/drawing/2014/main" id="{DC6DF57C-9307-4F57-9F58-EDCCB809A14E}"/>
+              </a:ext>
+            </a:extLst>
+          </p:cNvPr>
+          <p:cNvSpPr/>
+          <p:nvPr/>
+        </p:nvSpPr>
+        <p:spPr>
+          <a:xfrm>
+            <a:off x="2004956" y="2245534"/>
+            <a:ext cx="1800493" cy="369332"/>
+          </a:xfrm>
+          <a:prstGeom prst="rect">
+            <a:avLst/>
+          </a:prstGeom>
+        </p:spPr>
+        <p:txBody>
+          <a:bodyPr wrap="none">
+            <a:spAutoFit/>
+          </a:bodyPr>
+          <a:lstStyle/>
+          <a:p>
+            <a:r>
+              <a:rPr lang="zh-CN" altLang="en-US" dirty="0"/>
+              <a:t>人体的免疫系统</a:t>
+            </a:r>
+            <a:endParaRPr lang="en-US" altLang="zh-CN" dirty="0"/>
+          </a:p>
+        </p:txBody>
+      </p:sp>
+      <p:sp>
+        <p:nvSpPr>
+          <p:cNvPr id="11" name="矩形 10">
+            <a:extLst>
+              <a:ext uri="{FF2B5EF4-FFF2-40B4-BE49-F238E27FC236}">
+                <a16:creationId xmlns:a16="http://schemas.microsoft.com/office/drawing/2014/main" id="{D7C60B95-E32C-4571-82C2-5FB76E6CFFE1}"/>
+              </a:ext>
+            </a:extLst>
+          </p:cNvPr>
+          <p:cNvSpPr/>
+          <p:nvPr/>
+        </p:nvSpPr>
+        <p:spPr>
+          <a:xfrm>
+            <a:off x="2008054" y="3635474"/>
+            <a:ext cx="2954655" cy="369332"/>
+          </a:xfrm>
+          <a:prstGeom prst="rect">
+            <a:avLst/>
+          </a:prstGeom>
+        </p:spPr>
+        <p:txBody>
+          <a:bodyPr wrap="none">
+            <a:spAutoFit/>
+          </a:bodyPr>
+          <a:lstStyle/>
+          <a:p>
+            <a:r>
+              <a:rPr lang="zh-CN" altLang="en-US" dirty="0"/>
+              <a:t>癌细胞如何巧妙地逃避追杀</a:t>
+            </a:r>
+            <a:endParaRPr lang="en-US" altLang="zh-CN" dirty="0"/>
+          </a:p>
+        </p:txBody>
+      </p:sp>
+      <p:sp>
+        <p:nvSpPr>
+          <p:cNvPr id="12" name="矩形 11">
+            <a:extLst>
+              <a:ext uri="{FF2B5EF4-FFF2-40B4-BE49-F238E27FC236}">
+                <a16:creationId xmlns:a16="http://schemas.microsoft.com/office/drawing/2014/main" id="{9D7EBE69-8318-45B3-BF3E-0E09D4FB9201}"/>
+              </a:ext>
+            </a:extLst>
+          </p:cNvPr>
+          <p:cNvSpPr/>
+          <p:nvPr/>
+        </p:nvSpPr>
+        <p:spPr>
+          <a:xfrm>
+            <a:off x="2354304" y="2701004"/>
+            <a:ext cx="1800493" cy="369332"/>
+          </a:xfrm>
+          <a:prstGeom prst="rect">
+            <a:avLst/>
+          </a:prstGeom>
+        </p:spPr>
+        <p:txBody>
+          <a:bodyPr wrap="none">
+            <a:spAutoFit/>
+          </a:bodyPr>
+          <a:lstStyle/>
+          <a:p>
+            <a:r>
+              <a:rPr lang="zh-CN" altLang="en-US" dirty="0"/>
+              <a:t>杀伤一切外来者</a:t>
+            </a:r>
+            <a:endParaRPr lang="en-US" altLang="zh-CN" dirty="0"/>
+          </a:p>
+        </p:txBody>
+      </p:sp>
+      <p:sp>
+        <p:nvSpPr>
+          <p:cNvPr id="13" name="矩形 12">
+            <a:extLst>
+              <a:ext uri="{FF2B5EF4-FFF2-40B4-BE49-F238E27FC236}">
+                <a16:creationId xmlns:a16="http://schemas.microsoft.com/office/drawing/2014/main" id="{A760154A-9E6F-47CC-A499-5599E3EF6263}"/>
+              </a:ext>
+            </a:extLst>
+          </p:cNvPr>
+          <p:cNvSpPr/>
+          <p:nvPr/>
+        </p:nvSpPr>
+        <p:spPr>
+          <a:xfrm>
+            <a:off x="2354303" y="3194146"/>
+            <a:ext cx="2262158" cy="369332"/>
+          </a:xfrm>
+          <a:prstGeom prst="rect">
+            <a:avLst/>
+          </a:prstGeom>
+        </p:spPr>
+        <p:txBody>
+          <a:bodyPr wrap="none">
+            <a:spAutoFit/>
+          </a:bodyPr>
+          <a:lstStyle/>
+          <a:p>
+            <a:r>
+              <a:rPr lang="zh-CN" altLang="en-US" dirty="0"/>
+              <a:t>自带刹车，认清敌友</a:t>
+            </a:r>
+            <a:endParaRPr lang="en-US" altLang="zh-CN" dirty="0"/>
+          </a:p>
+        </p:txBody>
+      </p:sp>
+      <p:sp>
+        <p:nvSpPr>
+          <p:cNvPr id="14" name="矩形 13">
+            <a:extLst>
+              <a:ext uri="{FF2B5EF4-FFF2-40B4-BE49-F238E27FC236}">
+                <a16:creationId xmlns:a16="http://schemas.microsoft.com/office/drawing/2014/main" id="{9471B1F5-9DA0-4DFB-A3E2-1C9AC833E5C4}"/>
+              </a:ext>
+            </a:extLst>
+          </p:cNvPr>
+          <p:cNvSpPr/>
+          <p:nvPr/>
+        </p:nvSpPr>
+        <p:spPr>
+          <a:xfrm>
+            <a:off x="2354303" y="4104937"/>
+            <a:ext cx="877163" cy="369332"/>
+          </a:xfrm>
+          <a:prstGeom prst="rect">
+            <a:avLst/>
+          </a:prstGeom>
+        </p:spPr>
+        <p:txBody>
+          <a:bodyPr wrap="none">
+            <a:spAutoFit/>
+          </a:bodyPr>
+          <a:lstStyle/>
+          <a:p>
+            <a:r>
+              <a:rPr lang="zh-CN" altLang="en-US" dirty="0"/>
+              <a:t>踩刹车</a:t>
+            </a:r>
+            <a:endParaRPr lang="en-US" altLang="zh-CN" dirty="0"/>
+          </a:p>
+        </p:txBody>
+      </p:sp>
+      <p:sp>
+        <p:nvSpPr>
+          <p:cNvPr id="15" name="矩形 14">
+            <a:extLst>
+              <a:ext uri="{FF2B5EF4-FFF2-40B4-BE49-F238E27FC236}">
+                <a16:creationId xmlns:a16="http://schemas.microsoft.com/office/drawing/2014/main" id="{C7843C21-01BB-47F9-8F8C-0EE227A78630}"/>
+              </a:ext>
+            </a:extLst>
+          </p:cNvPr>
+          <p:cNvSpPr/>
+          <p:nvPr/>
+        </p:nvSpPr>
+        <p:spPr>
+          <a:xfrm>
+            <a:off x="2377387" y="5174854"/>
+            <a:ext cx="3294492" cy="369332"/>
+          </a:xfrm>
+          <a:prstGeom prst="rect">
+            <a:avLst/>
+          </a:prstGeom>
+        </p:spPr>
+        <p:txBody>
+          <a:bodyPr wrap="none">
+            <a:spAutoFit/>
+          </a:bodyPr>
+          <a:lstStyle/>
+          <a:p>
+            <a:r>
+              <a:rPr lang="zh-CN" altLang="en-US" dirty="0"/>
+              <a:t>伪装</a:t>
+            </a:r>
+            <a:r>
+              <a:rPr lang="en-US" altLang="zh-CN" dirty="0"/>
+              <a:t>  MHC</a:t>
+            </a:r>
+            <a:r>
+              <a:rPr lang="zh-CN" altLang="en-US" dirty="0"/>
+              <a:t>，绑在胳臂上的毛巾</a:t>
+            </a:r>
+            <a:endParaRPr lang="en-US" altLang="zh-CN" dirty="0"/>
+          </a:p>
+        </p:txBody>
+      </p:sp>
+      <p:sp>
+        <p:nvSpPr>
+          <p:cNvPr id="16" name="矩形 15">
+            <a:extLst>
+              <a:ext uri="{FF2B5EF4-FFF2-40B4-BE49-F238E27FC236}">
+                <a16:creationId xmlns:a16="http://schemas.microsoft.com/office/drawing/2014/main" id="{34B40F97-394A-4774-8766-267B9E6DA88D}"/>
+              </a:ext>
+            </a:extLst>
+          </p:cNvPr>
+          <p:cNvSpPr/>
+          <p:nvPr/>
+        </p:nvSpPr>
+        <p:spPr>
+          <a:xfrm>
+            <a:off x="2698114" y="5653310"/>
+            <a:ext cx="7760843" cy="369332"/>
+          </a:xfrm>
+          <a:prstGeom prst="rect">
+            <a:avLst/>
+          </a:prstGeom>
+        </p:spPr>
+        <p:txBody>
+          <a:bodyPr wrap="none">
+            <a:spAutoFit/>
+          </a:bodyPr>
+          <a:lstStyle/>
+          <a:p>
+            <a:r>
+              <a:rPr lang="en-US" altLang="zh-CN" dirty="0"/>
+              <a:t>CAR-T, </a:t>
+            </a:r>
+            <a:r>
+              <a:rPr lang="zh-CN" altLang="en-US" dirty="0"/>
+              <a:t>教会免疫系统用其他方式识别癌细胞，特殊性强，容易误伤正常细胞</a:t>
+            </a:r>
+            <a:endParaRPr lang="en-US" altLang="zh-CN" dirty="0"/>
+          </a:p>
+        </p:txBody>
+      </p:sp>
+      <p:sp>
+        <p:nvSpPr>
+          <p:cNvPr id="17" name="矩形 16">
+            <a:extLst>
+              <a:ext uri="{FF2B5EF4-FFF2-40B4-BE49-F238E27FC236}">
+                <a16:creationId xmlns:a16="http://schemas.microsoft.com/office/drawing/2014/main" id="{695B00B1-D137-408C-A9A8-41AA8B011A9B}"/>
+              </a:ext>
+            </a:extLst>
+          </p:cNvPr>
+          <p:cNvSpPr/>
+          <p:nvPr/>
+        </p:nvSpPr>
+        <p:spPr>
+          <a:xfrm>
+            <a:off x="2698114" y="6087815"/>
+            <a:ext cx="4570482" cy="369332"/>
+          </a:xfrm>
+          <a:prstGeom prst="rect">
+            <a:avLst/>
+          </a:prstGeom>
+        </p:spPr>
+        <p:txBody>
+          <a:bodyPr wrap="none">
+            <a:spAutoFit/>
+          </a:bodyPr>
+          <a:lstStyle/>
+          <a:p>
+            <a:r>
+              <a:rPr lang="zh-CN" altLang="en-US" dirty="0"/>
+              <a:t>个性化癌症疫苗，让癌细胞的蛋白呈现出来</a:t>
+            </a:r>
+            <a:endParaRPr lang="en-US" altLang="zh-CN" dirty="0"/>
+          </a:p>
+        </p:txBody>
+      </p:sp>
+      <p:sp>
+        <p:nvSpPr>
+          <p:cNvPr id="18" name="矩形 17">
+            <a:extLst>
+              <a:ext uri="{FF2B5EF4-FFF2-40B4-BE49-F238E27FC236}">
+                <a16:creationId xmlns:a16="http://schemas.microsoft.com/office/drawing/2014/main" id="{BE585C61-76AC-4A46-8A9E-E9737CD2E095}"/>
+              </a:ext>
+            </a:extLst>
+          </p:cNvPr>
+          <p:cNvSpPr/>
+          <p:nvPr/>
+        </p:nvSpPr>
+        <p:spPr>
+          <a:xfrm>
+            <a:off x="2698113" y="4639895"/>
+            <a:ext cx="1107996" cy="369332"/>
+          </a:xfrm>
+          <a:prstGeom prst="rect">
+            <a:avLst/>
+          </a:prstGeom>
+        </p:spPr>
+        <p:txBody>
+          <a:bodyPr wrap="none">
+            <a:spAutoFit/>
+          </a:bodyPr>
+          <a:lstStyle/>
+          <a:p>
+            <a:r>
+              <a:rPr lang="zh-CN" altLang="en-US" dirty="0"/>
+              <a:t>保护刹车</a:t>
+            </a:r>
+            <a:endParaRPr lang="en-US" altLang="zh-CN" dirty="0"/>
+          </a:p>
+        </p:txBody>
+      </p:sp>
+    </p:spTree>
+    <p:extLst>
+      <p:ext uri="{BB962C8B-B14F-4D97-AF65-F5344CB8AC3E}">
+        <p14:creationId xmlns:p14="http://schemas.microsoft.com/office/powerpoint/2010/main" val="1148455011"/>
+      </p:ext>
+    </p:extLst>
+  </p:cSld>
+  <p:clrMapOvr>
+    <a:masterClrMapping/>
+  </p:clrMapOvr>
+</p:sld>
+</file>
+
+<file path=ppt/slides/slide17.xml><?xml version="1.0" encoding="utf-8"?>
+<p:sld xmlns:a="http://schemas.openxmlformats.org/drawingml/2006/main" xmlns:r="http://schemas.openxmlformats.org/officeDocument/2006/relationships" xmlns:p="http://schemas.openxmlformats.org/presentationml/2006/main">
+  <p:cSld>
+    <p:spTree>
+      <p:nvGrpSpPr>
+        <p:cNvPr id="1" name=""/>
+        <p:cNvGrpSpPr/>
+        <p:nvPr/>
+      </p:nvGrpSpPr>
+      <p:grpSpPr>
+        <a:xfrm>
+          <a:off x="0" y="0"/>
+          <a:ext cx="0" cy="0"/>
+          <a:chOff x="0" y="0"/>
+          <a:chExt cx="0" cy="0"/>
+        </a:xfrm>
+      </p:grpSpPr>
+      <p:sp>
+        <p:nvSpPr>
+          <p:cNvPr id="19" name="标题 1">
+            <a:extLst>
+              <a:ext uri="{FF2B5EF4-FFF2-40B4-BE49-F238E27FC236}">
+                <a16:creationId xmlns:a16="http://schemas.microsoft.com/office/drawing/2014/main" id="{EAAD652F-8416-4EFB-9015-899271D617ED}"/>
+              </a:ext>
+            </a:extLst>
+          </p:cNvPr>
+          <p:cNvSpPr>
+            <a:spLocks noGrp="1"/>
+          </p:cNvSpPr>
+          <p:nvPr>
+            <p:ph type="ctrTitle"/>
+          </p:nvPr>
+        </p:nvSpPr>
+        <p:spPr>
+          <a:xfrm>
+            <a:off x="1524000" y="604837"/>
+            <a:ext cx="9144000" cy="1104388"/>
+          </a:xfrm>
+        </p:spPr>
+        <p:txBody>
+          <a:bodyPr>
+            <a:normAutofit fontScale="90000"/>
+          </a:bodyPr>
+          <a:lstStyle/>
+          <a:p>
+            <a:r>
+              <a:rPr lang="zh-CN" altLang="en-US" dirty="0"/>
+              <a:t>预测、预防、预警：把癌症提前关进笼子</a:t>
+            </a:r>
+            <a:endParaRPr lang="en-US" dirty="0"/>
+          </a:p>
+        </p:txBody>
+      </p:sp>
+      <p:sp>
+        <p:nvSpPr>
+          <p:cNvPr id="20" name="矩形 19">
+            <a:extLst>
+              <a:ext uri="{FF2B5EF4-FFF2-40B4-BE49-F238E27FC236}">
+                <a16:creationId xmlns:a16="http://schemas.microsoft.com/office/drawing/2014/main" id="{4B6B08D4-3A18-49E9-9C4F-4A541E279A2A}"/>
+              </a:ext>
+            </a:extLst>
+          </p:cNvPr>
+          <p:cNvSpPr/>
+          <p:nvPr/>
+        </p:nvSpPr>
+        <p:spPr>
+          <a:xfrm>
+            <a:off x="2004956" y="2245534"/>
+            <a:ext cx="1569660" cy="369332"/>
+          </a:xfrm>
+          <a:prstGeom prst="rect">
+            <a:avLst/>
+          </a:prstGeom>
+        </p:spPr>
+        <p:txBody>
+          <a:bodyPr wrap="none">
+            <a:spAutoFit/>
+          </a:bodyPr>
+          <a:lstStyle/>
+          <a:p>
+            <a:r>
+              <a:rPr lang="zh-CN" altLang="en-US" dirty="0"/>
+              <a:t>安吉丽娜朱莉</a:t>
+            </a:r>
+            <a:endParaRPr lang="en-US" altLang="zh-CN" dirty="0"/>
+          </a:p>
+        </p:txBody>
+      </p:sp>
+      <p:sp>
+        <p:nvSpPr>
+          <p:cNvPr id="21" name="矩形 20">
+            <a:extLst>
+              <a:ext uri="{FF2B5EF4-FFF2-40B4-BE49-F238E27FC236}">
+                <a16:creationId xmlns:a16="http://schemas.microsoft.com/office/drawing/2014/main" id="{911A3DE4-B128-4DF8-B424-87DBF2077905}"/>
+              </a:ext>
+            </a:extLst>
+          </p:cNvPr>
+          <p:cNvSpPr/>
+          <p:nvPr/>
+        </p:nvSpPr>
+        <p:spPr>
+          <a:xfrm>
+            <a:off x="2004956" y="2781843"/>
+            <a:ext cx="3185487" cy="369332"/>
+          </a:xfrm>
+          <a:prstGeom prst="rect">
+            <a:avLst/>
+          </a:prstGeom>
+        </p:spPr>
+        <p:txBody>
+          <a:bodyPr wrap="none">
+            <a:spAutoFit/>
+          </a:bodyPr>
+          <a:lstStyle/>
+          <a:p>
+            <a:r>
+              <a:rPr lang="zh-CN" altLang="en-US" dirty="0"/>
+              <a:t>基因突变：癌细胞产生的原因</a:t>
+            </a:r>
+            <a:endParaRPr lang="en-US" altLang="zh-CN" dirty="0"/>
+          </a:p>
+        </p:txBody>
+      </p:sp>
+      <p:sp>
+        <p:nvSpPr>
+          <p:cNvPr id="22" name="矩形 21">
+            <a:extLst>
+              <a:ext uri="{FF2B5EF4-FFF2-40B4-BE49-F238E27FC236}">
+                <a16:creationId xmlns:a16="http://schemas.microsoft.com/office/drawing/2014/main" id="{54353958-25F5-401F-B85B-697417E93788}"/>
+              </a:ext>
+            </a:extLst>
+          </p:cNvPr>
+          <p:cNvSpPr/>
+          <p:nvPr/>
+        </p:nvSpPr>
+        <p:spPr>
+          <a:xfrm>
+            <a:off x="2004956" y="3318152"/>
+            <a:ext cx="3185487" cy="369332"/>
+          </a:xfrm>
+          <a:prstGeom prst="rect">
+            <a:avLst/>
+          </a:prstGeom>
+        </p:spPr>
+        <p:txBody>
+          <a:bodyPr wrap="none">
+            <a:spAutoFit/>
+          </a:bodyPr>
+          <a:lstStyle/>
+          <a:p>
+            <a:r>
+              <a:rPr lang="zh-CN" altLang="en-US" dirty="0"/>
+              <a:t>早起预警：打击弱小的癌细胞</a:t>
+            </a:r>
+            <a:endParaRPr lang="en-US" altLang="zh-CN" dirty="0"/>
+          </a:p>
+        </p:txBody>
+      </p:sp>
+      <p:sp>
+        <p:nvSpPr>
+          <p:cNvPr id="23" name="矩形 22">
+            <a:extLst>
+              <a:ext uri="{FF2B5EF4-FFF2-40B4-BE49-F238E27FC236}">
+                <a16:creationId xmlns:a16="http://schemas.microsoft.com/office/drawing/2014/main" id="{466A7652-4F93-400C-8C48-E9FFAEB19293}"/>
+              </a:ext>
+            </a:extLst>
+          </p:cNvPr>
+          <p:cNvSpPr/>
+          <p:nvPr/>
+        </p:nvSpPr>
+        <p:spPr>
+          <a:xfrm>
+            <a:off x="2001326" y="3854461"/>
+            <a:ext cx="3416320" cy="646331"/>
+          </a:xfrm>
+          <a:prstGeom prst="rect">
+            <a:avLst/>
+          </a:prstGeom>
+        </p:spPr>
+        <p:txBody>
+          <a:bodyPr wrap="none">
+            <a:spAutoFit/>
+          </a:bodyPr>
+          <a:lstStyle/>
+          <a:p>
+            <a:r>
+              <a:rPr lang="zh-CN" altLang="en-US" dirty="0"/>
+              <a:t>预测和预防：降低癌症出现概率</a:t>
+            </a:r>
+            <a:endParaRPr lang="en-US" altLang="zh-CN" dirty="0"/>
+          </a:p>
+          <a:p>
+            <a:r>
+              <a:rPr lang="zh-CN" altLang="en-US" dirty="0"/>
+              <a:t>烟、酒、咸鱼、泡菜和空气污染</a:t>
+            </a:r>
+            <a:endParaRPr lang="en-US" altLang="zh-CN" dirty="0"/>
+          </a:p>
+        </p:txBody>
+      </p:sp>
+    </p:spTree>
+    <p:extLst>
+      <p:ext uri="{BB962C8B-B14F-4D97-AF65-F5344CB8AC3E}">
+        <p14:creationId xmlns:p14="http://schemas.microsoft.com/office/powerpoint/2010/main" val="3107948874"/>
+      </p:ext>
+    </p:extLst>
+  </p:cSld>
+  <p:clrMapOvr>
+    <a:masterClrMapping/>
+  </p:clrMapOvr>
+</p:sld>
+</file>
+
+<file path=ppt/slides/slide18.xml><?xml version="1.0" encoding="utf-8"?>
+<p:sld xmlns:a="http://schemas.openxmlformats.org/drawingml/2006/main" xmlns:r="http://schemas.openxmlformats.org/officeDocument/2006/relationships" xmlns:p="http://schemas.openxmlformats.org/presentationml/2006/main">
+  <p:cSld>
+    <p:spTree>
+      <p:nvGrpSpPr>
+        <p:cNvPr id="1" name=""/>
+        <p:cNvGrpSpPr/>
+        <p:nvPr/>
+      </p:nvGrpSpPr>
+      <p:grpSpPr>
+        <a:xfrm>
+          <a:off x="0" y="0"/>
+          <a:ext cx="0" cy="0"/>
+          <a:chOff x="0" y="0"/>
+          <a:chExt cx="0" cy="0"/>
+        </a:xfrm>
+      </p:grpSpPr>
+      <p:sp>
+        <p:nvSpPr>
+          <p:cNvPr id="8" name="标题 1">
+            <a:extLst>
+              <a:ext uri="{FF2B5EF4-FFF2-40B4-BE49-F238E27FC236}">
+                <a16:creationId xmlns:a16="http://schemas.microsoft.com/office/drawing/2014/main" id="{ED29A9E3-1889-4117-B59F-FCC09D15D5D9}"/>
+              </a:ext>
+            </a:extLst>
+          </p:cNvPr>
+          <p:cNvSpPr>
+            <a:spLocks noGrp="1"/>
+          </p:cNvSpPr>
+          <p:nvPr>
+            <p:ph type="ctrTitle"/>
+          </p:nvPr>
+        </p:nvSpPr>
+        <p:spPr>
+          <a:xfrm>
+            <a:off x="1523999" y="1308294"/>
+            <a:ext cx="9294055" cy="2700997"/>
+          </a:xfrm>
+        </p:spPr>
+        <p:txBody>
+          <a:bodyPr>
+            <a:normAutofit/>
+          </a:bodyPr>
+          <a:lstStyle/>
+          <a:p>
+            <a:r>
+              <a:rPr lang="zh-CN" altLang="en-US" dirty="0"/>
+              <a:t>人类对抗癌症的每一步进步都是基于对癌症基本原理的进一步了解</a:t>
+            </a:r>
+            <a:endParaRPr lang="en-US" dirty="0"/>
+          </a:p>
+        </p:txBody>
+      </p:sp>
+    </p:spTree>
+    <p:extLst>
+      <p:ext uri="{BB962C8B-B14F-4D97-AF65-F5344CB8AC3E}">
+        <p14:creationId xmlns:p14="http://schemas.microsoft.com/office/powerpoint/2010/main" val="161315930"/>
       </p:ext>
     </p:extLst>
   </p:cSld>

--- a/癌症/New Microsoft PowerPoint Presentation.pptx
+++ b/癌症/New Microsoft PowerPoint Presentation.pptx
@@ -278,7 +278,7 @@
           <a:p>
             <a:fld id="{0F4B4438-FBBC-481F-9AD6-3DAA6466D2C0}" type="datetimeFigureOut">
               <a:rPr lang="en-US" smtClean="0"/>
-              <a:t>1/29/2019</a:t>
+              <a:t>1/30/2019</a:t>
             </a:fld>
             <a:endParaRPr lang="en-US"/>
           </a:p>
@@ -478,7 +478,7 @@
           <a:p>
             <a:fld id="{0F4B4438-FBBC-481F-9AD6-3DAA6466D2C0}" type="datetimeFigureOut">
               <a:rPr lang="en-US" smtClean="0"/>
-              <a:t>1/29/2019</a:t>
+              <a:t>1/30/2019</a:t>
             </a:fld>
             <a:endParaRPr lang="en-US"/>
           </a:p>
@@ -688,7 +688,7 @@
           <a:p>
             <a:fld id="{0F4B4438-FBBC-481F-9AD6-3DAA6466D2C0}" type="datetimeFigureOut">
               <a:rPr lang="en-US" smtClean="0"/>
-              <a:t>1/29/2019</a:t>
+              <a:t>1/30/2019</a:t>
             </a:fld>
             <a:endParaRPr lang="en-US"/>
           </a:p>
@@ -888,7 +888,7 @@
           <a:p>
             <a:fld id="{0F4B4438-FBBC-481F-9AD6-3DAA6466D2C0}" type="datetimeFigureOut">
               <a:rPr lang="en-US" smtClean="0"/>
-              <a:t>1/29/2019</a:t>
+              <a:t>1/30/2019</a:t>
             </a:fld>
             <a:endParaRPr lang="en-US"/>
           </a:p>
@@ -1164,7 +1164,7 @@
           <a:p>
             <a:fld id="{0F4B4438-FBBC-481F-9AD6-3DAA6466D2C0}" type="datetimeFigureOut">
               <a:rPr lang="en-US" smtClean="0"/>
-              <a:t>1/29/2019</a:t>
+              <a:t>1/30/2019</a:t>
             </a:fld>
             <a:endParaRPr lang="en-US"/>
           </a:p>
@@ -1432,7 +1432,7 @@
           <a:p>
             <a:fld id="{0F4B4438-FBBC-481F-9AD6-3DAA6466D2C0}" type="datetimeFigureOut">
               <a:rPr lang="en-US" smtClean="0"/>
-              <a:t>1/29/2019</a:t>
+              <a:t>1/30/2019</a:t>
             </a:fld>
             <a:endParaRPr lang="en-US"/>
           </a:p>
@@ -1847,7 +1847,7 @@
           <a:p>
             <a:fld id="{0F4B4438-FBBC-481F-9AD6-3DAA6466D2C0}" type="datetimeFigureOut">
               <a:rPr lang="en-US" smtClean="0"/>
-              <a:t>1/29/2019</a:t>
+              <a:t>1/30/2019</a:t>
             </a:fld>
             <a:endParaRPr lang="en-US"/>
           </a:p>
@@ -1989,7 +1989,7 @@
           <a:p>
             <a:fld id="{0F4B4438-FBBC-481F-9AD6-3DAA6466D2C0}" type="datetimeFigureOut">
               <a:rPr lang="en-US" smtClean="0"/>
-              <a:t>1/29/2019</a:t>
+              <a:t>1/30/2019</a:t>
             </a:fld>
             <a:endParaRPr lang="en-US"/>
           </a:p>
@@ -2102,7 +2102,7 @@
           <a:p>
             <a:fld id="{0F4B4438-FBBC-481F-9AD6-3DAA6466D2C0}" type="datetimeFigureOut">
               <a:rPr lang="en-US" smtClean="0"/>
-              <a:t>1/29/2019</a:t>
+              <a:t>1/30/2019</a:t>
             </a:fld>
             <a:endParaRPr lang="en-US"/>
           </a:p>
@@ -2415,7 +2415,7 @@
           <a:p>
             <a:fld id="{0F4B4438-FBBC-481F-9AD6-3DAA6466D2C0}" type="datetimeFigureOut">
               <a:rPr lang="en-US" smtClean="0"/>
-              <a:t>1/29/2019</a:t>
+              <a:t>1/30/2019</a:t>
             </a:fld>
             <a:endParaRPr lang="en-US"/>
           </a:p>
@@ -2704,7 +2704,7 @@
           <a:p>
             <a:fld id="{0F4B4438-FBBC-481F-9AD6-3DAA6466D2C0}" type="datetimeFigureOut">
               <a:rPr lang="en-US" smtClean="0"/>
-              <a:t>1/29/2019</a:t>
+              <a:t>1/30/2019</a:t>
             </a:fld>
             <a:endParaRPr lang="en-US"/>
           </a:p>
@@ -2947,7 +2947,7 @@
           <a:p>
             <a:fld id="{0F4B4438-FBBC-481F-9AD6-3DAA6466D2C0}" type="datetimeFigureOut">
               <a:rPr lang="en-US" smtClean="0"/>
-              <a:t>1/29/2019</a:t>
+              <a:t>1/30/2019</a:t>
             </a:fld>
             <a:endParaRPr lang="en-US"/>
           </a:p>
@@ -3685,19 +3685,67 @@
           <a:p>
             <a:r>
               <a:rPr lang="en-US" dirty="0"/>
-              <a:t>在1960年代，在美国费城工作的美国科学家诺威尔发现，在白血病人体内，或者更准确地说，是一类叫做慢性粒细胞白血病的患者体内，他们的癌细胞，出现了一个和其他正常身体细胞完全不同的特征。</a:t>
-            </a:r>
-          </a:p>
-          <a:p>
+              <a:t>在</a:t>
+            </a:r>
+            <a:r>
+              <a:rPr lang="en-US" dirty="0">
+                <a:solidFill>
+                  <a:srgbClr val="FF0000"/>
+                </a:solidFill>
+              </a:rPr>
+              <a:t>1960年代</a:t>
+            </a:r>
             <a:r>
               <a:rPr lang="en-US" dirty="0"/>
-              <a:t>这些细胞里的遗传物质DNA发生了一次显微镜下清晰可见的结构重组，人体第22号染色体上的一段，被错误地嫁接到了第9号染色体的尾巴上。</a:t>
+              <a:t>，在美国费城工作的美国科学家诺威尔发现，在白血病人体内，或者更准确地说，是一类叫做慢性粒细胞白血病的患者体内，他们的癌细胞，出现了一个和其他正常身体细胞完全不同的特征。</a:t>
+            </a:r>
+          </a:p>
+          <a:p>
+            <a:r>
+              <a:rPr lang="en-US" dirty="0"/>
+              <a:t>这些细胞里的遗传物质DNA发生了一次显微镜下清晰可见的结构重组，人体第</a:t>
+            </a:r>
+            <a:r>
+              <a:rPr lang="en-US" dirty="0">
+                <a:solidFill>
+                  <a:srgbClr val="FF0000"/>
+                </a:solidFill>
+              </a:rPr>
+              <a:t>22号</a:t>
+            </a:r>
+            <a:r>
+              <a:rPr lang="en-US" dirty="0"/>
+              <a:t>染色体上的一段，被错误地嫁接到了第</a:t>
+            </a:r>
+            <a:r>
+              <a:rPr lang="en-US" dirty="0">
+                <a:solidFill>
+                  <a:srgbClr val="FF0000"/>
+                </a:solidFill>
+              </a:rPr>
+              <a:t>9号</a:t>
+            </a:r>
+            <a:r>
+              <a:rPr lang="en-US" dirty="0"/>
+              <a:t>染色体的尾巴上。</a:t>
             </a:r>
           </a:p>
           <a:p>
             <a:r>
               <a:rPr lang="en-US" dirty="0" err="1"/>
-              <a:t>这个结构重组后来就被叫做费城染色体。在文稿里你可以看到费城染色体的示意图</a:t>
+              <a:t>这个结构重组后来就被叫做</a:t>
+            </a:r>
+            <a:r>
+              <a:rPr lang="en-US" dirty="0" err="1">
+                <a:solidFill>
+                  <a:srgbClr val="FF0000"/>
+                </a:solidFill>
+              </a:rPr>
+              <a:t>费城染色体</a:t>
+            </a:r>
+            <a:r>
+              <a:rPr lang="en-US" dirty="0" err="1"/>
+              <a:t>。在文稿里你可以看到费城染色体的示意图</a:t>
             </a:r>
             <a:r>
               <a:rPr lang="en-US" dirty="0"/>
@@ -3717,7 +3765,19 @@
           <a:p>
             <a:r>
               <a:rPr lang="en-US" dirty="0"/>
-              <a:t>之后人们更是发现，这一次DNA结构重组是把人体细胞当中原来两个风马牛不相及的基因拼接融合到了一起，结果在细胞内产生了一个名叫BCR-AbL的全新杂种蛋白。这个全新的蛋白质引起了血液细胞疯狂地分裂繁殖，从而导致了白血病。</a:t>
+              <a:t>之后人们更是发现，这一次DNA结构重组是把人体细胞当中原来两个风马牛不相及的基因拼接融合到了一起，结果在细胞内产生了一个名叫</a:t>
+            </a:r>
+            <a:r>
+              <a:rPr lang="en-US" dirty="0">
+                <a:solidFill>
+                  <a:srgbClr val="FF0000"/>
+                </a:solidFill>
+              </a:rPr>
+              <a:t>BCR-AbL的全新杂种蛋白</a:t>
+            </a:r>
+            <a:r>
+              <a:rPr lang="en-US" dirty="0"/>
+              <a:t>。这个全新的蛋白质引起了血液细胞疯狂地分裂繁殖，从而导致了白血病。</a:t>
             </a:r>
           </a:p>
           <a:p>
@@ -3742,20 +3802,52 @@
           </a:p>
           <a:p>
             <a:r>
+              <a:rPr lang="en-US" dirty="0">
+                <a:solidFill>
+                  <a:srgbClr val="FF0000"/>
+                </a:solidFill>
+              </a:rPr>
+              <a:t>在差不多40年后</a:t>
+            </a:r>
+            <a:r>
               <a:rPr lang="en-US" dirty="0"/>
-              <a:t>在差不多40年后，这个思路被真正实现了。</a:t>
+              <a:t>，这个思路被真正实现了。</a:t>
             </a:r>
           </a:p>
           <a:p>
             <a:r>
               <a:rPr lang="en-US" dirty="0"/>
-              <a:t>在20世纪90年代末，瑞士诺华公司的科学家们开发出了一种化学物质，能够专门和这个杂种蛋白结合，关闭它的功能，从而压制癌细胞的生长。</a:t>
-            </a:r>
-          </a:p>
-          <a:p>
+              <a:t>在20世纪90年代末，</a:t>
+            </a:r>
+            <a:r>
+              <a:rPr lang="en-US" dirty="0">
+                <a:solidFill>
+                  <a:srgbClr val="FF0000"/>
+                </a:solidFill>
+              </a:rPr>
+              <a:t>瑞士诺华</a:t>
+            </a:r>
             <a:r>
               <a:rPr lang="en-US" dirty="0"/>
-              <a:t>与此同时，几乎只针对BCR-Abl杂种蛋白开火的格列卫，对正常细胞的抑制作用非常之小，这就让这种药物的副作用要比传统化疗药物小得多。</a:t>
+              <a:t>公司的科学家们开发出了一种化学物质，能够专门和这个杂种蛋白结合，关闭它的功能，从而压制癌细胞的生长。</a:t>
+            </a:r>
+          </a:p>
+          <a:p>
+            <a:r>
+              <a:rPr lang="en-US" dirty="0"/>
+              <a:t>与此同时，几乎</a:t>
+            </a:r>
+            <a:r>
+              <a:rPr lang="en-US" dirty="0">
+                <a:solidFill>
+                  <a:srgbClr val="FF0000"/>
+                </a:solidFill>
+              </a:rPr>
+              <a:t>只针对BCR-Abl杂种蛋白</a:t>
+            </a:r>
+            <a:r>
+              <a:rPr lang="en-US" dirty="0"/>
+              <a:t>开火的格列卫，对正常细胞的抑制作用非常之小，这就让这种药物的副作用要比传统化疗药物小得多。</a:t>
             </a:r>
           </a:p>
           <a:p>
@@ -3771,7 +3863,19 @@
           <a:p>
             <a:r>
               <a:rPr lang="en-US" dirty="0"/>
-              <a:t>这个药物凭一己之力，就把慢性粒细胞白血病患者的五年生存率从30%提高到了90%，</a:t>
+              <a:t>这个药物凭一己之力，就把慢性粒细胞白血病患者的</a:t>
+            </a:r>
+            <a:r>
+              <a:rPr lang="en-US" dirty="0">
+                <a:solidFill>
+                  <a:srgbClr val="FF0000"/>
+                </a:solidFill>
+              </a:rPr>
+              <a:t>五年生存率从30%提高到了90%</a:t>
+            </a:r>
+            <a:r>
+              <a:rPr lang="en-US" dirty="0"/>
+              <a:t>，</a:t>
             </a:r>
             <a:r>
               <a:rPr lang="en-US" dirty="0" err="1"/>
@@ -3798,7 +3902,19 @@
           <a:p>
             <a:r>
               <a:rPr lang="en-US" dirty="0" err="1"/>
-              <a:t>只要我们能在生物学层面，找到癌细胞和正常身体细胞之间存在的本质性的差别，我们就可以开发出精确地识别和杀死癌细胞的药物来</a:t>
+              <a:t>只要我们能在生物学层面，</a:t>
+            </a:r>
+            <a:r>
+              <a:rPr lang="en-US" dirty="0" err="1">
+                <a:solidFill>
+                  <a:srgbClr val="FF0000"/>
+                </a:solidFill>
+              </a:rPr>
+              <a:t>找到癌细胞和正常身体细胞之间存在的本质性的差别</a:t>
+            </a:r>
+            <a:r>
+              <a:rPr lang="en-US" dirty="0" err="1"/>
+              <a:t>，我们就可以开发出精确地识别和杀死癌细胞的药物来</a:t>
             </a:r>
             <a:r>
               <a:rPr lang="en-US" dirty="0"/>
@@ -4048,7 +4164,7 @@
         </p:nvSpPr>
         <p:spPr>
           <a:xfrm>
-            <a:off x="220394" y="2967335"/>
+            <a:off x="499887" y="4432781"/>
             <a:ext cx="2185181" cy="2031325"/>
           </a:xfrm>
           <a:prstGeom prst="rect">
@@ -4063,7 +4179,31 @@
           <a:p>
             <a:r>
               <a:rPr lang="zh-CN" altLang="en-US" dirty="0"/>
-              <a:t>比如说流感病毒，它就只会识别人体的呼吸道上皮细胞。而乙肝病毒，它就只会识别人体的肝脏细胞，对任何别的细胞都不感兴趣。 </a:t>
+              <a:t>比如说流感病毒，它就只会识别人体的</a:t>
+            </a:r>
+            <a:r>
+              <a:rPr lang="zh-CN" altLang="en-US" dirty="0">
+                <a:solidFill>
+                  <a:srgbClr val="FF0000"/>
+                </a:solidFill>
+              </a:rPr>
+              <a:t>呼吸道上皮细胞</a:t>
+            </a:r>
+            <a:r>
+              <a:rPr lang="zh-CN" altLang="en-US" dirty="0"/>
+              <a:t>。而乙肝病毒，它就只会识别人体的</a:t>
+            </a:r>
+            <a:r>
+              <a:rPr lang="zh-CN" altLang="en-US" dirty="0">
+                <a:solidFill>
+                  <a:srgbClr val="FF0000"/>
+                </a:solidFill>
+              </a:rPr>
+              <a:t>肝脏细胞</a:t>
+            </a:r>
+            <a:r>
+              <a:rPr lang="zh-CN" altLang="en-US" dirty="0"/>
+              <a:t>，对任何别的细胞都不感兴趣。 </a:t>
             </a:r>
             <a:endParaRPr lang="en-US" altLang="zh-CN" dirty="0"/>
           </a:p>
@@ -4253,7 +4393,31 @@
           <a:p>
             <a:r>
               <a:rPr lang="en-US" dirty="0"/>
-              <a:t>其实有人估算，因为难以避免的基因变异，人体当中每天都会产生成百上千个具备快速的生长和繁殖能力的癌细胞，但是它们当中绝大多数都会在第一时间被人体的免疫系统发现并杀死，根本不会发展成癌症。</a:t>
+              <a:t>其实有人估算，因为难以避免的基因变异，人体当中每天都会产生成</a:t>
+            </a:r>
+            <a:r>
+              <a:rPr lang="en-US" dirty="0">
+                <a:solidFill>
+                  <a:srgbClr val="FF0000"/>
+                </a:solidFill>
+              </a:rPr>
+              <a:t>百上千个</a:t>
+            </a:r>
+            <a:r>
+              <a:rPr lang="en-US" dirty="0"/>
+              <a:t>具备快速的生长和繁殖能力的</a:t>
+            </a:r>
+            <a:r>
+              <a:rPr lang="en-US" dirty="0">
+                <a:solidFill>
+                  <a:srgbClr val="FF0000"/>
+                </a:solidFill>
+              </a:rPr>
+              <a:t>癌细胞</a:t>
+            </a:r>
+            <a:r>
+              <a:rPr lang="en-US" dirty="0"/>
+              <a:t>，但是它们当中绝大多数都会在第一时间被人体的免疫系统发现并杀死，根本不会发展成癌症。</a:t>
             </a:r>
           </a:p>
           <a:p>
@@ -5290,7 +5454,7 @@
         <p:spPr>
           <a:xfrm>
             <a:off x="307145" y="379826"/>
-            <a:ext cx="11577710" cy="1477328"/>
+            <a:ext cx="11577710" cy="2031325"/>
           </a:xfrm>
           <a:prstGeom prst="rect">
             <a:avLst/>
@@ -5310,7 +5474,17 @@
           <a:p>
             <a:r>
               <a:rPr lang="en-US" dirty="0" err="1"/>
-              <a:t>天花已经被彻底消灭，曾经几次毁灭欧洲的黑死病</a:t>
+              <a:t>天花已经被彻底消灭</a:t>
+            </a:r>
+            <a:r>
+              <a:rPr lang="en-US" dirty="0"/>
+              <a:t>，</a:t>
+            </a:r>
+          </a:p>
+          <a:p>
+            <a:r>
+              <a:rPr lang="en-US" dirty="0" err="1"/>
+              <a:t>曾经几次毁灭欧洲的黑死病</a:t>
             </a:r>
             <a:r>
               <a:rPr lang="en-US" dirty="0"/>
@@ -5326,12 +5500,25 @@
             </a:r>
             <a:r>
               <a:rPr lang="en-US" dirty="0" err="1"/>
-              <a:t>也已经极为罕见，艾滋病虽然仍然无法治愈，但是各种治疗手段联合，我们已经把它变成了彻底的慢性病</a:t>
+              <a:t>也已经极为罕见</a:t>
+            </a:r>
+            <a:r>
+              <a:rPr lang="en-US" dirty="0"/>
+              <a:t>，</a:t>
+            </a:r>
+          </a:p>
+          <a:p>
+            <a:r>
+              <a:rPr lang="en-US" dirty="0" err="1"/>
+              <a:t>艾滋病虽然仍然无法治愈，但是各种治疗手段联合，我们已经把它变成了彻底的慢性病</a:t>
             </a:r>
             <a:r>
               <a:rPr lang="en-US" dirty="0"/>
               <a:t>。</a:t>
             </a:r>
+          </a:p>
+          <a:p>
+            <a:endParaRPr lang="en-US" dirty="0"/>
           </a:p>
           <a:p>
             <a:r>
@@ -5511,7 +5698,15 @@
           <a:p>
             <a:r>
               <a:rPr lang="en-US" dirty="0"/>
-              <a:t>在过去的一百多年里，全世界无数的顶级天才为这个难题着迷、为解决它呕心沥血。整个生物医药产业的投资，有接近一半都投入了这个领域当中。</a:t>
+              <a:t>在过去的一百多年里，全世界无数的顶级天才为这个难题着迷、为解决它呕心沥血。</a:t>
+            </a:r>
+            <a:r>
+              <a:rPr lang="en-US" dirty="0">
+                <a:solidFill>
+                  <a:srgbClr val="FF0000"/>
+                </a:solidFill>
+              </a:rPr>
+              <a:t>整个生物医药产业的投资，有接近一半都投入了这个领域当中。</a:t>
             </a:r>
           </a:p>
         </p:txBody>
@@ -6192,7 +6387,24 @@
                 <a:latin typeface="等线" panose="02010600030101010101" pitchFamily="2" charset="-122"/>
                 <a:ea typeface="等线" panose="02010600030101010101" pitchFamily="2" charset="-122"/>
               </a:rPr>
-              <a:t>为了治疗乳腺癌，医生们除了要切掉乳房的肿瘤，还会把患者患病的乳房、胸部的大块肌肉、腋窝的淋巴组织，甚至有时候连身体半边儿的肋骨、锁骨、胳膊都通通切除！</a:t>
+              <a:t>为了治疗乳腺癌，医生们除了要切掉乳房的肿瘤，还会把患者患病的</a:t>
+            </a:r>
+            <a:r>
+              <a:rPr lang="en-US" dirty="0">
+                <a:solidFill>
+                  <a:srgbClr val="FF0000"/>
+                </a:solidFill>
+                <a:latin typeface="等线" panose="02010600030101010101" pitchFamily="2" charset="-122"/>
+                <a:ea typeface="等线" panose="02010600030101010101" pitchFamily="2" charset="-122"/>
+              </a:rPr>
+              <a:t>乳房、胸部的大块肌肉、腋窝的淋巴组织，甚至有时候连身体半边儿的肋骨、锁骨、胳膊都通通切除</a:t>
+            </a:r>
+            <a:r>
+              <a:rPr lang="en-US" dirty="0">
+                <a:latin typeface="等线" panose="02010600030101010101" pitchFamily="2" charset="-122"/>
+                <a:ea typeface="等线" panose="02010600030101010101" pitchFamily="2" charset="-122"/>
+              </a:rPr>
+              <a:t>！</a:t>
             </a:r>
           </a:p>
           <a:p>
@@ -6201,7 +6413,34 @@
                 <a:latin typeface="等线" panose="02010600030101010101" pitchFamily="2" charset="-122"/>
                 <a:ea typeface="等线" panose="02010600030101010101" pitchFamily="2" charset="-122"/>
               </a:rPr>
-              <a:t>在这种手术之后，患者一般需要好几个月才起的了床，而且会留下永久性的残疾</a:t>
+              <a:t>在这种手术之后，患者一般需要</a:t>
+            </a:r>
+            <a:r>
+              <a:rPr lang="en-US" dirty="0" err="1">
+                <a:solidFill>
+                  <a:srgbClr val="FF0000"/>
+                </a:solidFill>
+                <a:latin typeface="等线" panose="02010600030101010101" pitchFamily="2" charset="-122"/>
+                <a:ea typeface="等线" panose="02010600030101010101" pitchFamily="2" charset="-122"/>
+              </a:rPr>
+              <a:t>好几个月</a:t>
+            </a:r>
+            <a:r>
+              <a:rPr lang="en-US" dirty="0" err="1">
+                <a:latin typeface="等线" panose="02010600030101010101" pitchFamily="2" charset="-122"/>
+                <a:ea typeface="等线" panose="02010600030101010101" pitchFamily="2" charset="-122"/>
+              </a:rPr>
+              <a:t>才起的了床，而且会留下</a:t>
+            </a:r>
+            <a:r>
+              <a:rPr lang="en-US" dirty="0" err="1">
+                <a:solidFill>
+                  <a:srgbClr val="FF0000"/>
+                </a:solidFill>
+                <a:latin typeface="等线" panose="02010600030101010101" pitchFamily="2" charset="-122"/>
+                <a:ea typeface="等线" panose="02010600030101010101" pitchFamily="2" charset="-122"/>
+              </a:rPr>
+              <a:t>永久性的残疾</a:t>
             </a:r>
             <a:r>
               <a:rPr lang="en-US" dirty="0">
